--- a/project/4-presentation/TCC - Daniel Teixeira Wanderley.pptx
+++ b/project/4-presentation/TCC - Daniel Teixeira Wanderley.pptx
@@ -3677,4 +3677,276 @@
     </a:ext>
   </a:extLst>
 </a:theme>
+</file>
+
+<file path=customXml/item1.xml><?xml version="1.0" encoding="utf-8"?>
+<ct:contentTypeSchema xmlns:ct="http://schemas.microsoft.com/office/2006/metadata/contentType" xmlns:ma="http://schemas.microsoft.com/office/2006/metadata/properties/metaAttributes" ct:_="" ma:_="" ma:contentTypeName="Documento" ma:contentTypeID="0x01010069E487C1B5A6A7469ECF295E300FC521" ma:contentTypeVersion="14" ma:contentTypeDescription="Crie um novo documento." ma:contentTypeScope="" ma:versionID="0960ac6fc61b40489ab078022ce7de8d">
+  <xsd:schema xmlns:xsd="http://www.w3.org/2001/XMLSchema" xmlns:xs="http://www.w3.org/2001/XMLSchema" xmlns:p="http://schemas.microsoft.com/office/2006/metadata/properties" xmlns:ns2="509bbd28-9a6d-445a-83dd-f5d328eece76" xmlns:ns3="903036b2-f8dc-4ca8-82df-457cf2fff651" xmlns:ns4="461c5b05-e7ae-45a9-96d4-4a689e060405" targetNamespace="http://schemas.microsoft.com/office/2006/metadata/properties" ma:root="true" ma:fieldsID="d2f069df8fef6df821bd87bc04dd1b2c" ns2:_="" ns3:_="" ns4:_="">
+    <xsd:import namespace="509bbd28-9a6d-445a-83dd-f5d328eece76"/>
+    <xsd:import namespace="903036b2-f8dc-4ca8-82df-457cf2fff651"/>
+    <xsd:import namespace="461c5b05-e7ae-45a9-96d4-4a689e060405"/>
+    <xsd:element name="properties">
+      <xsd:complexType>
+        <xsd:sequence>
+          <xsd:element name="documentManagement">
+            <xsd:complexType>
+              <xsd:all>
+                <xsd:element ref="ns2:MediaServiceMetadata" minOccurs="0"/>
+                <xsd:element ref="ns2:MediaServiceFastMetadata" minOccurs="0"/>
+                <xsd:element ref="ns3:SharedWithUsers" minOccurs="0"/>
+                <xsd:element ref="ns3:SharedWithDetails" minOccurs="0"/>
+                <xsd:element ref="ns4:lcf76f155ced4ddcb4097134ff3c332f" minOccurs="0"/>
+                <xsd:element ref="ns3:TaxCatchAll" minOccurs="0"/>
+                <xsd:element ref="ns4:MediaServiceOCR" minOccurs="0"/>
+                <xsd:element ref="ns4:MediaServiceGenerationTime" minOccurs="0"/>
+                <xsd:element ref="ns4:MediaServiceEventHashCode" minOccurs="0"/>
+                <xsd:element ref="ns4:MediaServiceObjectDetectorVersions" minOccurs="0"/>
+                <xsd:element ref="ns4:MediaLengthInSeconds" minOccurs="0"/>
+                <xsd:element ref="ns4:MediaServiceDateTaken" minOccurs="0"/>
+                <xsd:element ref="ns4:MediaServiceLocation" minOccurs="0"/>
+                <xsd:element ref="ns4:MediaServiceSearchProperties" minOccurs="0"/>
+              </xsd:all>
+            </xsd:complexType>
+          </xsd:element>
+        </xsd:sequence>
+      </xsd:complexType>
+    </xsd:element>
+  </xsd:schema>
+  <xsd:schema xmlns:xsd="http://www.w3.org/2001/XMLSchema" xmlns:xs="http://www.w3.org/2001/XMLSchema" xmlns:dms="http://schemas.microsoft.com/office/2006/documentManagement/types" xmlns:pc="http://schemas.microsoft.com/office/infopath/2007/PartnerControls" targetNamespace="509bbd28-9a6d-445a-83dd-f5d328eece76" elementFormDefault="qualified">
+    <xsd:import namespace="http://schemas.microsoft.com/office/2006/documentManagement/types"/>
+    <xsd:import namespace="http://schemas.microsoft.com/office/infopath/2007/PartnerControls"/>
+    <xsd:element name="MediaServiceMetadata" ma:index="8" nillable="true" ma:displayName="MediaServiceMetadata" ma:hidden="true" ma:internalName="MediaServiceMetadata" ma:readOnly="true">
+      <xsd:simpleType>
+        <xsd:restriction base="dms:Note"/>
+      </xsd:simpleType>
+    </xsd:element>
+    <xsd:element name="MediaServiceFastMetadata" ma:index="9" nillable="true" ma:displayName="MediaServiceFastMetadata" ma:hidden="true" ma:internalName="MediaServiceFastMetadata" ma:readOnly="true">
+      <xsd:simpleType>
+        <xsd:restriction base="dms:Note"/>
+      </xsd:simpleType>
+    </xsd:element>
+  </xsd:schema>
+  <xsd:schema xmlns:xsd="http://www.w3.org/2001/XMLSchema" xmlns:xs="http://www.w3.org/2001/XMLSchema" xmlns:dms="http://schemas.microsoft.com/office/2006/documentManagement/types" xmlns:pc="http://schemas.microsoft.com/office/infopath/2007/PartnerControls" targetNamespace="903036b2-f8dc-4ca8-82df-457cf2fff651" elementFormDefault="qualified">
+    <xsd:import namespace="http://schemas.microsoft.com/office/2006/documentManagement/types"/>
+    <xsd:import namespace="http://schemas.microsoft.com/office/infopath/2007/PartnerControls"/>
+    <xsd:element name="SharedWithUsers" ma:index="10" nillable="true" ma:displayName="Compartilhado com" ma:internalName="SharedWithUsers" ma:readOnly="true">
+      <xsd:complexType>
+        <xsd:complexContent>
+          <xsd:extension base="dms:UserMulti">
+            <xsd:sequence>
+              <xsd:element name="UserInfo" minOccurs="0" maxOccurs="unbounded">
+                <xsd:complexType>
+                  <xsd:sequence>
+                    <xsd:element name="DisplayName" type="xsd:string" minOccurs="0"/>
+                    <xsd:element name="AccountId" type="dms:UserId" minOccurs="0" nillable="true"/>
+                    <xsd:element name="AccountType" type="xsd:string" minOccurs="0"/>
+                  </xsd:sequence>
+                </xsd:complexType>
+              </xsd:element>
+            </xsd:sequence>
+          </xsd:extension>
+        </xsd:complexContent>
+      </xsd:complexType>
+    </xsd:element>
+    <xsd:element name="SharedWithDetails" ma:index="11" nillable="true" ma:displayName="Detalhes de Compartilhado Com" ma:internalName="SharedWithDetails" ma:readOnly="true">
+      <xsd:simpleType>
+        <xsd:restriction base="dms:Note">
+          <xsd:maxLength value="255"/>
+        </xsd:restriction>
+      </xsd:simpleType>
+    </xsd:element>
+    <xsd:element name="TaxCatchAll" ma:index="14" nillable="true" ma:displayName="Taxonomy Catch All Column" ma:hidden="true" ma:list="{671d7225-7c32-4489-b6da-c381a375bb6a}" ma:internalName="TaxCatchAll" ma:showField="CatchAllData" ma:web="903036b2-f8dc-4ca8-82df-457cf2fff651">
+      <xsd:complexType>
+        <xsd:complexContent>
+          <xsd:extension base="dms:MultiChoiceLookup">
+            <xsd:sequence>
+              <xsd:element name="Value" type="dms:Lookup" maxOccurs="unbounded" minOccurs="0" nillable="true"/>
+            </xsd:sequence>
+          </xsd:extension>
+        </xsd:complexContent>
+      </xsd:complexType>
+    </xsd:element>
+  </xsd:schema>
+  <xsd:schema xmlns:xsd="http://www.w3.org/2001/XMLSchema" xmlns:xs="http://www.w3.org/2001/XMLSchema" xmlns:dms="http://schemas.microsoft.com/office/2006/documentManagement/types" xmlns:pc="http://schemas.microsoft.com/office/infopath/2007/PartnerControls" targetNamespace="461c5b05-e7ae-45a9-96d4-4a689e060405" elementFormDefault="qualified">
+    <xsd:import namespace="http://schemas.microsoft.com/office/2006/documentManagement/types"/>
+    <xsd:import namespace="http://schemas.microsoft.com/office/infopath/2007/PartnerControls"/>
+    <xsd:element name="lcf76f155ced4ddcb4097134ff3c332f" ma:index="13" nillable="true" ma:taxonomy="true" ma:internalName="lcf76f155ced4ddcb4097134ff3c332f" ma:taxonomyFieldName="MediaServiceImageTags" ma:displayName="Marcações de imagem" ma:readOnly="false" ma:fieldId="{5cf76f15-5ced-4ddc-b409-7134ff3c332f}" ma:taxonomyMulti="true" ma:sspId="5103c4ab-04ed-4a1f-bb47-9362306674cb" ma:termSetId="09814cd3-568e-fe90-9814-8d621ff8fb84" ma:anchorId="fba54fb3-c3e1-fe81-a776-ca4b69148c4d" ma:open="true" ma:isKeyword="false">
+      <xsd:complexType>
+        <xsd:sequence>
+          <xsd:element ref="pc:Terms" minOccurs="0" maxOccurs="1"/>
+        </xsd:sequence>
+      </xsd:complexType>
+    </xsd:element>
+    <xsd:element name="MediaServiceOCR" ma:index="15" nillable="true" ma:displayName="Extracted Text" ma:internalName="MediaServiceOCR" ma:readOnly="true">
+      <xsd:simpleType>
+        <xsd:restriction base="dms:Note">
+          <xsd:maxLength value="255"/>
+        </xsd:restriction>
+      </xsd:simpleType>
+    </xsd:element>
+    <xsd:element name="MediaServiceGenerationTime" ma:index="16" nillable="true" ma:displayName="MediaServiceGenerationTime" ma:hidden="true" ma:internalName="MediaServiceGenerationTime" ma:readOnly="true">
+      <xsd:simpleType>
+        <xsd:restriction base="dms:Text"/>
+      </xsd:simpleType>
+    </xsd:element>
+    <xsd:element name="MediaServiceEventHashCode" ma:index="17" nillable="true" ma:displayName="MediaServiceEventHashCode" ma:hidden="true" ma:internalName="MediaServiceEventHashCode" ma:readOnly="true">
+      <xsd:simpleType>
+        <xsd:restriction base="dms:Text"/>
+      </xsd:simpleType>
+    </xsd:element>
+    <xsd:element name="MediaServiceObjectDetectorVersions" ma:index="18" nillable="true" ma:displayName="MediaServiceObjectDetectorVersions" ma:hidden="true" ma:indexed="true" ma:internalName="MediaServiceObjectDetectorVersions" ma:readOnly="true">
+      <xsd:simpleType>
+        <xsd:restriction base="dms:Text"/>
+      </xsd:simpleType>
+    </xsd:element>
+    <xsd:element name="MediaLengthInSeconds" ma:index="19" nillable="true" ma:displayName="MediaLengthInSeconds" ma:hidden="true" ma:internalName="MediaLengthInSeconds" ma:readOnly="true">
+      <xsd:simpleType>
+        <xsd:restriction base="dms:Unknown"/>
+      </xsd:simpleType>
+    </xsd:element>
+    <xsd:element name="MediaServiceDateTaken" ma:index="20" nillable="true" ma:displayName="MediaServiceDateTaken" ma:hidden="true" ma:indexed="true" ma:internalName="MediaServiceDateTaken" ma:readOnly="true">
+      <xsd:simpleType>
+        <xsd:restriction base="dms:Text"/>
+      </xsd:simpleType>
+    </xsd:element>
+    <xsd:element name="MediaServiceLocation" ma:index="21" nillable="true" ma:displayName="Location" ma:description="" ma:indexed="true" ma:internalName="MediaServiceLocation" ma:readOnly="true">
+      <xsd:simpleType>
+        <xsd:restriction base="dms:Text"/>
+      </xsd:simpleType>
+    </xsd:element>
+    <xsd:element name="MediaServiceSearchProperties" ma:index="22" nillable="true" ma:displayName="MediaServiceSearchProperties" ma:hidden="true" ma:internalName="MediaServiceSearchProperties" ma:readOnly="true">
+      <xsd:simpleType>
+        <xsd:restriction base="dms:Note"/>
+      </xsd:simpleType>
+    </xsd:element>
+  </xsd:schema>
+  <xsd:schema xmlns="http://schemas.openxmlformats.org/package/2006/metadata/core-properties" xmlns:xsd="http://www.w3.org/2001/XMLSchema" xmlns:xsi="http://www.w3.org/2001/XMLSchema-instance" xmlns:dc="http://purl.org/dc/elements/1.1/" xmlns:dcterms="http://purl.org/dc/terms/" xmlns:odoc="http://schemas.microsoft.com/internal/obd" targetNamespace="http://schemas.openxmlformats.org/package/2006/metadata/core-properties" elementFormDefault="qualified" attributeFormDefault="unqualified" blockDefault="#all">
+    <xsd:import namespace="http://purl.org/dc/elements/1.1/" schemaLocation="http://dublincore.org/schemas/xmls/qdc/2003/04/02/dc.xsd"/>
+    <xsd:import namespace="http://purl.org/dc/terms/" schemaLocation="http://dublincore.org/schemas/xmls/qdc/2003/04/02/dcterms.xsd"/>
+    <xsd:element name="coreProperties" type="CT_coreProperties"/>
+    <xsd:complexType name="CT_coreProperties">
+      <xsd:all>
+        <xsd:element ref="dc:creator" minOccurs="0" maxOccurs="1"/>
+        <xsd:element ref="dcterms:created" minOccurs="0" maxOccurs="1"/>
+        <xsd:element ref="dc:identifier" minOccurs="0" maxOccurs="1"/>
+        <xsd:element name="contentType" minOccurs="0" maxOccurs="1" type="xsd:string" ma:index="0" ma:displayName="Tipo de Conteúdo"/>
+        <xsd:element ref="dc:title" minOccurs="0" maxOccurs="1" ma:index="4" ma:displayName="Título"/>
+        <xsd:element ref="dc:subject" minOccurs="0" maxOccurs="1"/>
+        <xsd:element ref="dc:description" minOccurs="0" maxOccurs="1"/>
+        <xsd:element name="keywords" minOccurs="0" maxOccurs="1" type="xsd:string"/>
+        <xsd:element ref="dc:language" minOccurs="0" maxOccurs="1"/>
+        <xsd:element name="category" minOccurs="0" maxOccurs="1" type="xsd:string"/>
+        <xsd:element name="version" minOccurs="0" maxOccurs="1" type="xsd:string"/>
+        <xsd:element name="revision" minOccurs="0" maxOccurs="1" type="xsd:string">
+          <xsd:annotation>
+            <xsd:documentation>
+                        This value indicates the number of saves or revisions. The application is responsible for updating this value after each revision.
+                    </xsd:documentation>
+          </xsd:annotation>
+        </xsd:element>
+        <xsd:element name="lastModifiedBy" minOccurs="0" maxOccurs="1" type="xsd:string"/>
+        <xsd:element ref="dcterms:modified" minOccurs="0" maxOccurs="1"/>
+        <xsd:element name="contentStatus" minOccurs="0" maxOccurs="1" type="xsd:string"/>
+      </xsd:all>
+    </xsd:complexType>
+  </xsd:schema>
+  <xs:schema xmlns:pc="http://schemas.microsoft.com/office/infopath/2007/PartnerControls" xmlns:xs="http://www.w3.org/2001/XMLSchema" targetNamespace="http://schemas.microsoft.com/office/infopath/2007/PartnerControls" elementFormDefault="qualified" attributeFormDefault="unqualified">
+    <xs:element name="Person">
+      <xs:complexType>
+        <xs:sequence>
+          <xs:element ref="pc:DisplayName" minOccurs="0"/>
+          <xs:element ref="pc:AccountId" minOccurs="0"/>
+          <xs:element ref="pc:AccountType" minOccurs="0"/>
+        </xs:sequence>
+      </xs:complexType>
+    </xs:element>
+    <xs:element name="DisplayName" type="xs:string"/>
+    <xs:element name="AccountId" type="xs:string"/>
+    <xs:element name="AccountType" type="xs:string"/>
+    <xs:element name="BDCAssociatedEntity">
+      <xs:complexType>
+        <xs:sequence>
+          <xs:element ref="pc:BDCEntity" minOccurs="0" maxOccurs="unbounded"/>
+        </xs:sequence>
+        <xs:attribute ref="pc:EntityNamespace"/>
+        <xs:attribute ref="pc:EntityName"/>
+        <xs:attribute ref="pc:SystemInstanceName"/>
+        <xs:attribute ref="pc:AssociationName"/>
+      </xs:complexType>
+    </xs:element>
+    <xs:attribute name="EntityNamespace" type="xs:string"/>
+    <xs:attribute name="EntityName" type="xs:string"/>
+    <xs:attribute name="SystemInstanceName" type="xs:string"/>
+    <xs:attribute name="AssociationName" type="xs:string"/>
+    <xs:element name="BDCEntity">
+      <xs:complexType>
+        <xs:sequence>
+          <xs:element ref="pc:EntityDisplayName" minOccurs="0"/>
+          <xs:element ref="pc:EntityInstanceReference" minOccurs="0"/>
+          <xs:element ref="pc:EntityId1" minOccurs="0"/>
+          <xs:element ref="pc:EntityId2" minOccurs="0"/>
+          <xs:element ref="pc:EntityId3" minOccurs="0"/>
+          <xs:element ref="pc:EntityId4" minOccurs="0"/>
+          <xs:element ref="pc:EntityId5" minOccurs="0"/>
+        </xs:sequence>
+      </xs:complexType>
+    </xs:element>
+    <xs:element name="EntityDisplayName" type="xs:string"/>
+    <xs:element name="EntityInstanceReference" type="xs:string"/>
+    <xs:element name="EntityId1" type="xs:string"/>
+    <xs:element name="EntityId2" type="xs:string"/>
+    <xs:element name="EntityId3" type="xs:string"/>
+    <xs:element name="EntityId4" type="xs:string"/>
+    <xs:element name="EntityId5" type="xs:string"/>
+    <xs:element name="Terms">
+      <xs:complexType>
+        <xs:sequence>
+          <xs:element ref="pc:TermInfo" minOccurs="0" maxOccurs="unbounded"/>
+        </xs:sequence>
+      </xs:complexType>
+    </xs:element>
+    <xs:element name="TermInfo">
+      <xs:complexType>
+        <xs:sequence>
+          <xs:element ref="pc:TermName" minOccurs="0"/>
+          <xs:element ref="pc:TermId" minOccurs="0"/>
+        </xs:sequence>
+      </xs:complexType>
+    </xs:element>
+    <xs:element name="TermName" type="xs:string"/>
+    <xs:element name="TermId" type="xs:string"/>
+  </xs:schema>
+</ct:contentTypeSchema>
+</file>
+
+<file path=customXml/item2.xml><?xml version="1.0" encoding="utf-8"?>
+<?mso-contentType ?>
+<FormTemplates xmlns="http://schemas.microsoft.com/sharepoint/v3/contenttype/forms">
+  <Display>DocumentLibraryForm</Display>
+  <Edit>DocumentLibraryForm</Edit>
+  <New>DocumentLibraryForm</New>
+</FormTemplates>
+</file>
+
+<file path=customXml/item3.xml><?xml version="1.0" encoding="utf-8"?>
+<p:properties xmlns:p="http://schemas.microsoft.com/office/2006/metadata/properties" xmlns:xsi="http://www.w3.org/2001/XMLSchema-instance" xmlns:pc="http://schemas.microsoft.com/office/infopath/2007/PartnerControls">
+  <documentManagement>
+    <lcf76f155ced4ddcb4097134ff3c332f xmlns="461c5b05-e7ae-45a9-96d4-4a689e060405">
+      <Terms xmlns="http://schemas.microsoft.com/office/infopath/2007/PartnerControls"/>
+    </lcf76f155ced4ddcb4097134ff3c332f>
+    <TaxCatchAll xmlns="903036b2-f8dc-4ca8-82df-457cf2fff651" xsi:nil="true"/>
+  </documentManagement>
+</p:properties>
+</file>
+
+<file path=customXml/itemProps1.xml><?xml version="1.0" encoding="utf-8"?>
+<ds:datastoreItem xmlns:ds="http://schemas.openxmlformats.org/officeDocument/2006/customXml" ds:itemID="{4A39C60F-836F-4E30-B441-C27CD7D042E1}"/>
+</file>
+
+<file path=customXml/itemProps2.xml><?xml version="1.0" encoding="utf-8"?>
+<ds:datastoreItem xmlns:ds="http://schemas.openxmlformats.org/officeDocument/2006/customXml" ds:itemID="{C4B1ED71-98D9-469C-8854-4477B5CB1BC1}"/>
+</file>
+
+<file path=customXml/itemProps3.xml><?xml version="1.0" encoding="utf-8"?>
+<ds:datastoreItem xmlns:ds="http://schemas.openxmlformats.org/officeDocument/2006/customXml" ds:itemID="{950C1921-19CB-4359-896C-69A38E74F7DB}"/>
 </file>
--- a/project/4-presentation/TCC - Daniel Teixeira Wanderley.pptx
+++ b/project/4-presentation/TCC - Daniel Teixeira Wanderley.pptx
@@ -2,10 +2,19 @@
 <file path=ppt/presentation.xml><?xml version="1.0" encoding="utf-8"?>
 <p:presentation xmlns:a="http://schemas.openxmlformats.org/drawingml/2006/main" xmlns:r="http://schemas.openxmlformats.org/officeDocument/2006/relationships" xmlns:p="http://schemas.openxmlformats.org/presentationml/2006/main" saveSubsetFonts="1">
   <p:sldMasterIdLst>
-    <p:sldMasterId id="2147483648" r:id="rId1"/>
+    <p:sldMasterId id="2147483648" r:id="rId4"/>
   </p:sldMasterIdLst>
   <p:sldIdLst>
-    <p:sldId id="256" r:id="rId2"/>
+    <p:sldId id="256" r:id="rId5"/>
+    <p:sldId id="258" r:id="rId6"/>
+    <p:sldId id="266" r:id="rId7"/>
+    <p:sldId id="260" r:id="rId8"/>
+    <p:sldId id="261" r:id="rId9"/>
+    <p:sldId id="262" r:id="rId10"/>
+    <p:sldId id="263" r:id="rId11"/>
+    <p:sldId id="264" r:id="rId12"/>
+    <p:sldId id="265" r:id="rId13"/>
+    <p:sldId id="257" r:id="rId14"/>
   </p:sldIdLst>
   <p:sldSz cx="12192000" cy="6858000"/>
   <p:notesSz cx="6858000" cy="9144000"/>
@@ -104,6 +113,11 @@
       </a:defRPr>
     </a:lvl9pPr>
   </p:defaultTextStyle>
+  <p:extLst>
+    <p:ext uri="{EFAFB233-063F-42B5-8137-9DF3F51BA10A}">
+      <p15:sldGuideLst xmlns:p15="http://schemas.microsoft.com/office/powerpoint/2012/main"/>
+    </p:ext>
+  </p:extLst>
 </p:presentation>
 </file>
 
@@ -254,7 +268,7 @@
           <a:p>
             <a:fld id="{5D9793B1-F0A3-4D4A-B67B-1D3DE27E8E19}" type="datetimeFigureOut">
               <a:rPr lang="pt-BR" smtClean="0"/>
-              <a:t>13/12/2024</a:t>
+              <a:t>25/12/2024</a:t>
             </a:fld>
             <a:endParaRPr lang="pt-BR"/>
           </a:p>
@@ -308,7 +322,7 @@
           <a:p>
             <a:fld id="{62DBA4B0-FBB0-47D5-9BD1-542860085E96}" type="slidenum">
               <a:rPr lang="pt-BR" smtClean="0"/>
-              <a:t>‹nº›</a:t>
+              <a:t>‹#›</a:t>
             </a:fld>
             <a:endParaRPr lang="pt-BR"/>
           </a:p>
@@ -452,7 +466,7 @@
           <a:p>
             <a:fld id="{5D9793B1-F0A3-4D4A-B67B-1D3DE27E8E19}" type="datetimeFigureOut">
               <a:rPr lang="pt-BR" smtClean="0"/>
-              <a:t>13/12/2024</a:t>
+              <a:t>25/12/2024</a:t>
             </a:fld>
             <a:endParaRPr lang="pt-BR"/>
           </a:p>
@@ -506,7 +520,7 @@
           <a:p>
             <a:fld id="{62DBA4B0-FBB0-47D5-9BD1-542860085E96}" type="slidenum">
               <a:rPr lang="pt-BR" smtClean="0"/>
-              <a:t>‹nº›</a:t>
+              <a:t>‹#›</a:t>
             </a:fld>
             <a:endParaRPr lang="pt-BR"/>
           </a:p>
@@ -660,7 +674,7 @@
           <a:p>
             <a:fld id="{5D9793B1-F0A3-4D4A-B67B-1D3DE27E8E19}" type="datetimeFigureOut">
               <a:rPr lang="pt-BR" smtClean="0"/>
-              <a:t>13/12/2024</a:t>
+              <a:t>25/12/2024</a:t>
             </a:fld>
             <a:endParaRPr lang="pt-BR"/>
           </a:p>
@@ -714,7 +728,7 @@
           <a:p>
             <a:fld id="{62DBA4B0-FBB0-47D5-9BD1-542860085E96}" type="slidenum">
               <a:rPr lang="pt-BR" smtClean="0"/>
-              <a:t>‹nº›</a:t>
+              <a:t>‹#›</a:t>
             </a:fld>
             <a:endParaRPr lang="pt-BR"/>
           </a:p>
@@ -858,7 +872,7 @@
           <a:p>
             <a:fld id="{5D9793B1-F0A3-4D4A-B67B-1D3DE27E8E19}" type="datetimeFigureOut">
               <a:rPr lang="pt-BR" smtClean="0"/>
-              <a:t>13/12/2024</a:t>
+              <a:t>25/12/2024</a:t>
             </a:fld>
             <a:endParaRPr lang="pt-BR"/>
           </a:p>
@@ -912,7 +926,7 @@
           <a:p>
             <a:fld id="{62DBA4B0-FBB0-47D5-9BD1-542860085E96}" type="slidenum">
               <a:rPr lang="pt-BR" smtClean="0"/>
-              <a:t>‹nº›</a:t>
+              <a:t>‹#›</a:t>
             </a:fld>
             <a:endParaRPr lang="pt-BR"/>
           </a:p>
@@ -1133,7 +1147,7 @@
           <a:p>
             <a:fld id="{5D9793B1-F0A3-4D4A-B67B-1D3DE27E8E19}" type="datetimeFigureOut">
               <a:rPr lang="pt-BR" smtClean="0"/>
-              <a:t>13/12/2024</a:t>
+              <a:t>25/12/2024</a:t>
             </a:fld>
             <a:endParaRPr lang="pt-BR"/>
           </a:p>
@@ -1187,7 +1201,7 @@
           <a:p>
             <a:fld id="{62DBA4B0-FBB0-47D5-9BD1-542860085E96}" type="slidenum">
               <a:rPr lang="pt-BR" smtClean="0"/>
-              <a:t>‹nº›</a:t>
+              <a:t>‹#›</a:t>
             </a:fld>
             <a:endParaRPr lang="pt-BR"/>
           </a:p>
@@ -1398,7 +1412,7 @@
           <a:p>
             <a:fld id="{5D9793B1-F0A3-4D4A-B67B-1D3DE27E8E19}" type="datetimeFigureOut">
               <a:rPr lang="pt-BR" smtClean="0"/>
-              <a:t>13/12/2024</a:t>
+              <a:t>25/12/2024</a:t>
             </a:fld>
             <a:endParaRPr lang="pt-BR"/>
           </a:p>
@@ -1452,7 +1466,7 @@
           <a:p>
             <a:fld id="{62DBA4B0-FBB0-47D5-9BD1-542860085E96}" type="slidenum">
               <a:rPr lang="pt-BR" smtClean="0"/>
-              <a:t>‹nº›</a:t>
+              <a:t>‹#›</a:t>
             </a:fld>
             <a:endParaRPr lang="pt-BR"/>
           </a:p>
@@ -1810,7 +1824,7 @@
           <a:p>
             <a:fld id="{5D9793B1-F0A3-4D4A-B67B-1D3DE27E8E19}" type="datetimeFigureOut">
               <a:rPr lang="pt-BR" smtClean="0"/>
-              <a:t>13/12/2024</a:t>
+              <a:t>25/12/2024</a:t>
             </a:fld>
             <a:endParaRPr lang="pt-BR"/>
           </a:p>
@@ -1864,7 +1878,7 @@
           <a:p>
             <a:fld id="{62DBA4B0-FBB0-47D5-9BD1-542860085E96}" type="slidenum">
               <a:rPr lang="pt-BR" smtClean="0"/>
-              <a:t>‹nº›</a:t>
+              <a:t>‹#›</a:t>
             </a:fld>
             <a:endParaRPr lang="pt-BR"/>
           </a:p>
@@ -1951,7 +1965,7 @@
           <a:p>
             <a:fld id="{5D9793B1-F0A3-4D4A-B67B-1D3DE27E8E19}" type="datetimeFigureOut">
               <a:rPr lang="pt-BR" smtClean="0"/>
-              <a:t>13/12/2024</a:t>
+              <a:t>25/12/2024</a:t>
             </a:fld>
             <a:endParaRPr lang="pt-BR"/>
           </a:p>
@@ -2005,7 +2019,7 @@
           <a:p>
             <a:fld id="{62DBA4B0-FBB0-47D5-9BD1-542860085E96}" type="slidenum">
               <a:rPr lang="pt-BR" smtClean="0"/>
-              <a:t>‹nº›</a:t>
+              <a:t>‹#›</a:t>
             </a:fld>
             <a:endParaRPr lang="pt-BR"/>
           </a:p>
@@ -2064,7 +2078,7 @@
           <a:p>
             <a:fld id="{5D9793B1-F0A3-4D4A-B67B-1D3DE27E8E19}" type="datetimeFigureOut">
               <a:rPr lang="pt-BR" smtClean="0"/>
-              <a:t>13/12/2024</a:t>
+              <a:t>25/12/2024</a:t>
             </a:fld>
             <a:endParaRPr lang="pt-BR"/>
           </a:p>
@@ -2118,7 +2132,7 @@
           <a:p>
             <a:fld id="{62DBA4B0-FBB0-47D5-9BD1-542860085E96}" type="slidenum">
               <a:rPr lang="pt-BR" smtClean="0"/>
-              <a:t>‹nº›</a:t>
+              <a:t>‹#›</a:t>
             </a:fld>
             <a:endParaRPr lang="pt-BR"/>
           </a:p>
@@ -2375,7 +2389,7 @@
           <a:p>
             <a:fld id="{5D9793B1-F0A3-4D4A-B67B-1D3DE27E8E19}" type="datetimeFigureOut">
               <a:rPr lang="pt-BR" smtClean="0"/>
-              <a:t>13/12/2024</a:t>
+              <a:t>25/12/2024</a:t>
             </a:fld>
             <a:endParaRPr lang="pt-BR"/>
           </a:p>
@@ -2429,7 +2443,7 @@
           <a:p>
             <a:fld id="{62DBA4B0-FBB0-47D5-9BD1-542860085E96}" type="slidenum">
               <a:rPr lang="pt-BR" smtClean="0"/>
-              <a:t>‹nº›</a:t>
+              <a:t>‹#›</a:t>
             </a:fld>
             <a:endParaRPr lang="pt-BR"/>
           </a:p>
@@ -2663,7 +2677,7 @@
           <a:p>
             <a:fld id="{5D9793B1-F0A3-4D4A-B67B-1D3DE27E8E19}" type="datetimeFigureOut">
               <a:rPr lang="pt-BR" smtClean="0"/>
-              <a:t>13/12/2024</a:t>
+              <a:t>25/12/2024</a:t>
             </a:fld>
             <a:endParaRPr lang="pt-BR"/>
           </a:p>
@@ -2717,7 +2731,7 @@
           <a:p>
             <a:fld id="{62DBA4B0-FBB0-47D5-9BD1-542860085E96}" type="slidenum">
               <a:rPr lang="pt-BR" smtClean="0"/>
-              <a:t>‹nº›</a:t>
+              <a:t>‹#›</a:t>
             </a:fld>
             <a:endParaRPr lang="pt-BR"/>
           </a:p>
@@ -2904,7 +2918,7 @@
           <a:p>
             <a:fld id="{5D9793B1-F0A3-4D4A-B67B-1D3DE27E8E19}" type="datetimeFigureOut">
               <a:rPr lang="pt-BR" smtClean="0"/>
-              <a:t>13/12/2024</a:t>
+              <a:t>25/12/2024</a:t>
             </a:fld>
             <a:endParaRPr lang="pt-BR"/>
           </a:p>
@@ -2994,9 +3008,56 @@
           <a:p>
             <a:fld id="{62DBA4B0-FBB0-47D5-9BD1-542860085E96}" type="slidenum">
               <a:rPr lang="pt-BR" smtClean="0"/>
-              <a:t>‹nº›</a:t>
+              <a:t>‹#›</a:t>
             </a:fld>
             <a:endParaRPr lang="pt-BR"/>
+          </a:p>
+        </p:txBody>
+      </p:sp>
+      <p:sp>
+        <p:nvSpPr>
+          <p:cNvPr id="8" name="TextBox 7">
+            <a:extLst>
+              <a:ext uri="{FF2B5EF4-FFF2-40B4-BE49-F238E27FC236}">
+                <a16:creationId xmlns:a16="http://schemas.microsoft.com/office/drawing/2014/main" id="{A8CE2B89-0ECA-1C6A-402A-2105A9192F57}"/>
+              </a:ext>
+            </a:extLst>
+          </p:cNvPr>
+          <p:cNvSpPr txBox="1"/>
+          <p:nvPr userDrawn="1">
+            <p:extLst>
+              <p:ext uri="{1162E1C5-73C7-4A58-AE30-91384D911F3F}">
+                <p184:classification xmlns:p184="http://schemas.microsoft.com/office/powerpoint/2018/4/main" val="hdr"/>
+              </p:ext>
+            </p:extLst>
+          </p:nvPr>
+        </p:nvSpPr>
+        <p:spPr>
+          <a:xfrm>
+            <a:off x="63500" y="63500"/>
+            <a:ext cx="1192213" cy="152400"/>
+          </a:xfrm>
+          <a:prstGeom prst="rect">
+            <a:avLst/>
+          </a:prstGeom>
+        </p:spPr>
+        <p:txBody>
+          <a:bodyPr horzOverflow="overflow" lIns="0" tIns="0" rIns="0" bIns="0">
+            <a:spAutoFit/>
+          </a:bodyPr>
+          <a:lstStyle/>
+          <a:p>
+            <a:pPr algn="l"/>
+            <a:r>
+              <a:rPr lang="pt-BR" sz="1000">
+                <a:solidFill>
+                  <a:srgbClr val="0000FF"/>
+                </a:solidFill>
+                <a:latin typeface="Calibri" panose="020F0502020204030204" pitchFamily="34" charset="0"/>
+                <a:cs typeface="Calibri" panose="020F0502020204030204" pitchFamily="34" charset="0"/>
+              </a:rPr>
+              <a:t>TechnipFMC | Internal</a:t>
+            </a:r>
           </a:p>
         </p:txBody>
       </p:sp>
@@ -3337,37 +3398,377 @@
             <p:ph type="ctrTitle"/>
           </p:nvPr>
         </p:nvSpPr>
-        <p:spPr/>
-        <p:txBody>
-          <a:bodyPr/>
-          <a:lstStyle/>
-          <a:p>
+        <p:spPr>
+          <a:xfrm>
+            <a:off x="3596079" y="2271829"/>
+            <a:ext cx="5008229" cy="473500"/>
+          </a:xfrm>
+        </p:spPr>
+        <p:txBody>
+          <a:bodyPr anchor="ctr">
+            <a:normAutofit fontScale="90000"/>
+          </a:bodyPr>
+          <a:lstStyle/>
+          <a:p>
+            <a:r>
+              <a:rPr lang="pt-BR" sz="2800" dirty="0">
+                <a:latin typeface="Arial" panose="020B0604020202020204" pitchFamily="34" charset="0"/>
+                <a:cs typeface="Arial" panose="020B0604020202020204" pitchFamily="34" charset="0"/>
+              </a:rPr>
+              <a:t>(Projeto de conclusão de curso)</a:t>
+            </a:r>
+          </a:p>
+        </p:txBody>
+      </p:sp>
+      <p:sp>
+        <p:nvSpPr>
+          <p:cNvPr id="3" name="Subtítulo 2">
+            <a:extLst>
+              <a:ext uri="{FF2B5EF4-FFF2-40B4-BE49-F238E27FC236}">
+                <a16:creationId xmlns:a16="http://schemas.microsoft.com/office/drawing/2014/main" id="{6EF320B4-99AE-4C62-BA04-D27B4135171A}"/>
+              </a:ext>
+            </a:extLst>
+          </p:cNvPr>
+          <p:cNvSpPr>
+            <a:spLocks noGrp="1"/>
+          </p:cNvSpPr>
+          <p:nvPr>
+            <p:ph type="subTitle" idx="1"/>
+          </p:nvPr>
+        </p:nvSpPr>
+        <p:spPr>
+          <a:xfrm>
+            <a:off x="2414636" y="3095950"/>
+            <a:ext cx="7354345" cy="852518"/>
+          </a:xfrm>
+        </p:spPr>
+        <p:txBody>
+          <a:bodyPr anchor="ctr">
+            <a:noAutofit/>
+          </a:bodyPr>
+          <a:lstStyle/>
+          <a:p>
+            <a:r>
+              <a:rPr lang="pt-BR" b="1" dirty="0">
+                <a:latin typeface="Arial" panose="020B0604020202020204" pitchFamily="34" charset="0"/>
+                <a:cs typeface="Arial" panose="020B0604020202020204" pitchFamily="34" charset="0"/>
+              </a:rPr>
+              <a:t>Automatização da análise de operação de CVD com integração python-OrcaFlex</a:t>
+            </a:r>
+          </a:p>
+        </p:txBody>
+      </p:sp>
+      <p:sp>
+        <p:nvSpPr>
+          <p:cNvPr id="4" name="Rectangle 3">
+            <a:extLst>
+              <a:ext uri="{FF2B5EF4-FFF2-40B4-BE49-F238E27FC236}">
+                <a16:creationId xmlns:a16="http://schemas.microsoft.com/office/drawing/2014/main" id="{92F02D51-EF2F-7BA9-6069-A659D6A243F7}"/>
+              </a:ext>
+            </a:extLst>
+          </p:cNvPr>
+          <p:cNvSpPr>
+            <a:spLocks noGrp="1" noRot="1" noMove="1" noResize="1" noEditPoints="1" noAdjustHandles="1" noChangeArrowheads="1" noChangeShapeType="1"/>
+          </p:cNvSpPr>
+          <p:nvPr/>
+        </p:nvSpPr>
+        <p:spPr>
+          <a:xfrm>
+            <a:off x="8389" y="8389"/>
+            <a:ext cx="1367406" cy="276837"/>
+          </a:xfrm>
+          <a:prstGeom prst="rect">
+            <a:avLst/>
+          </a:prstGeom>
+          <a:solidFill>
+            <a:schemeClr val="bg1"/>
+          </a:solidFill>
+          <a:ln>
+            <a:solidFill>
+              <a:schemeClr val="bg1"/>
+            </a:solidFill>
+          </a:ln>
+        </p:spPr>
+        <p:style>
+          <a:lnRef idx="2">
+            <a:schemeClr val="accent1">
+              <a:shade val="15000"/>
+            </a:schemeClr>
+          </a:lnRef>
+          <a:fillRef idx="1">
+            <a:schemeClr val="accent1"/>
+          </a:fillRef>
+          <a:effectRef idx="0">
+            <a:schemeClr val="accent1"/>
+          </a:effectRef>
+          <a:fontRef idx="minor">
+            <a:schemeClr val="lt1"/>
+          </a:fontRef>
+        </p:style>
+        <p:txBody>
+          <a:bodyPr rtlCol="0" anchor="ctr"/>
+          <a:lstStyle/>
+          <a:p>
+            <a:pPr algn="ctr"/>
             <a:endParaRPr lang="pt-BR"/>
           </a:p>
         </p:txBody>
       </p:sp>
-      <p:sp>
-        <p:nvSpPr>
-          <p:cNvPr id="3" name="Subtítulo 2">
-            <a:extLst>
-              <a:ext uri="{FF2B5EF4-FFF2-40B4-BE49-F238E27FC236}">
-                <a16:creationId xmlns:a16="http://schemas.microsoft.com/office/drawing/2014/main" id="{6EF320B4-99AE-4C62-BA04-D27B4135171A}"/>
-              </a:ext>
-            </a:extLst>
-          </p:cNvPr>
-          <p:cNvSpPr>
-            <a:spLocks noGrp="1"/>
-          </p:cNvSpPr>
-          <p:nvPr>
-            <p:ph type="subTitle" idx="1"/>
-          </p:nvPr>
-        </p:nvSpPr>
-        <p:spPr/>
-        <p:txBody>
-          <a:bodyPr/>
-          <a:lstStyle/>
-          <a:p>
-            <a:endParaRPr lang="pt-BR"/>
+      <p:pic>
+        <p:nvPicPr>
+          <p:cNvPr id="6" name="Picture 5" descr="A yellow gear with a globe and a yellow sign with black text&#10;&#10;Description automatically generated">
+            <a:extLst>
+              <a:ext uri="{FF2B5EF4-FFF2-40B4-BE49-F238E27FC236}">
+                <a16:creationId xmlns:a16="http://schemas.microsoft.com/office/drawing/2014/main" id="{BF5D192E-2C70-961E-8198-90702D075E19}"/>
+              </a:ext>
+            </a:extLst>
+          </p:cNvPr>
+          <p:cNvPicPr>
+            <a:picLocks noChangeAspect="1"/>
+          </p:cNvPicPr>
+          <p:nvPr/>
+        </p:nvPicPr>
+        <p:blipFill>
+          <a:blip r:embed="rId2">
+            <a:extLst>
+              <a:ext uri="{28A0092B-C50C-407E-A947-70E740481C1C}">
+                <a14:useLocalDpi xmlns:a14="http://schemas.microsoft.com/office/drawing/2010/main" val="0"/>
+              </a:ext>
+            </a:extLst>
+          </a:blip>
+          <a:stretch>
+            <a:fillRect/>
+          </a:stretch>
+        </p:blipFill>
+        <p:spPr>
+          <a:xfrm>
+            <a:off x="507453" y="695987"/>
+            <a:ext cx="1736684" cy="1440000"/>
+          </a:xfrm>
+          <a:prstGeom prst="rect">
+            <a:avLst/>
+          </a:prstGeom>
+        </p:spPr>
+      </p:pic>
+      <p:pic>
+        <p:nvPicPr>
+          <p:cNvPr id="8" name="Picture 7">
+            <a:extLst>
+              <a:ext uri="{FF2B5EF4-FFF2-40B4-BE49-F238E27FC236}">
+                <a16:creationId xmlns:a16="http://schemas.microsoft.com/office/drawing/2014/main" id="{C92A7153-C4CE-68D2-E366-EA431DE220AE}"/>
+              </a:ext>
+            </a:extLst>
+          </p:cNvPr>
+          <p:cNvPicPr>
+            <a:picLocks noChangeAspect="1"/>
+          </p:cNvPicPr>
+          <p:nvPr/>
+        </p:nvPicPr>
+        <p:blipFill>
+          <a:blip r:embed="rId3">
+            <a:extLst>
+              <a:ext uri="{28A0092B-C50C-407E-A947-70E740481C1C}">
+                <a14:useLocalDpi xmlns:a14="http://schemas.microsoft.com/office/drawing/2010/main" val="0"/>
+              </a:ext>
+            </a:extLst>
+          </a:blip>
+          <a:stretch>
+            <a:fillRect/>
+          </a:stretch>
+        </p:blipFill>
+        <p:spPr>
+          <a:xfrm>
+            <a:off x="10406547" y="695987"/>
+            <a:ext cx="1278000" cy="1440000"/>
+          </a:xfrm>
+          <a:prstGeom prst="rect">
+            <a:avLst/>
+          </a:prstGeom>
+        </p:spPr>
+      </p:pic>
+      <p:sp>
+        <p:nvSpPr>
+          <p:cNvPr id="10" name="Título 1">
+            <a:extLst>
+              <a:ext uri="{FF2B5EF4-FFF2-40B4-BE49-F238E27FC236}">
+                <a16:creationId xmlns:a16="http://schemas.microsoft.com/office/drawing/2014/main" id="{327F50A4-7CDC-68FA-358A-DE60CE8C8FEF}"/>
+              </a:ext>
+            </a:extLst>
+          </p:cNvPr>
+          <p:cNvSpPr txBox="1">
+            <a:spLocks/>
+          </p:cNvSpPr>
+          <p:nvPr/>
+        </p:nvSpPr>
+        <p:spPr>
+          <a:xfrm>
+            <a:off x="4120392" y="1312119"/>
+            <a:ext cx="3951215" cy="959710"/>
+          </a:xfrm>
+          <a:prstGeom prst="rect">
+            <a:avLst/>
+          </a:prstGeom>
+        </p:spPr>
+        <p:txBody>
+          <a:bodyPr vert="horz" lIns="91440" tIns="45720" rIns="91440" bIns="45720" rtlCol="0" anchor="ctr">
+            <a:normAutofit/>
+          </a:bodyPr>
+          <a:lstStyle>
+            <a:lvl1pPr algn="ctr" defTabSz="914400" rtl="0" eaLnBrk="1" latinLnBrk="0" hangingPunct="1">
+              <a:lnSpc>
+                <a:spcPct val="90000"/>
+              </a:lnSpc>
+              <a:spcBef>
+                <a:spcPct val="0"/>
+              </a:spcBef>
+              <a:buNone/>
+              <a:defRPr sz="6000" kern="1200">
+                <a:solidFill>
+                  <a:schemeClr val="tx1"/>
+                </a:solidFill>
+                <a:latin typeface="+mj-lt"/>
+                <a:ea typeface="+mj-ea"/>
+                <a:cs typeface="+mj-cs"/>
+              </a:defRPr>
+            </a:lvl1pPr>
+          </a:lstStyle>
+          <a:p>
+            <a:r>
+              <a:rPr lang="pt-BR" b="1" dirty="0">
+                <a:latin typeface="Arial" panose="020B0604020202020204" pitchFamily="34" charset="0"/>
+                <a:cs typeface="Arial" panose="020B0604020202020204" pitchFamily="34" charset="0"/>
+              </a:rPr>
+              <a:t>UFF - TEC</a:t>
+            </a:r>
+          </a:p>
+        </p:txBody>
+      </p:sp>
+      <p:pic>
+        <p:nvPicPr>
+          <p:cNvPr id="12" name="Picture 11" descr="A blue and yellow snake logo&#10;&#10;Description automatically generated">
+            <a:extLst>
+              <a:ext uri="{FF2B5EF4-FFF2-40B4-BE49-F238E27FC236}">
+                <a16:creationId xmlns:a16="http://schemas.microsoft.com/office/drawing/2014/main" id="{683CF2E0-B1F2-D663-7069-FA6DB8940A26}"/>
+              </a:ext>
+            </a:extLst>
+          </p:cNvPr>
+          <p:cNvPicPr>
+            <a:picLocks noChangeAspect="1"/>
+          </p:cNvPicPr>
+          <p:nvPr/>
+        </p:nvPicPr>
+        <p:blipFill>
+          <a:blip r:embed="rId4">
+            <a:extLst>
+              <a:ext uri="{28A0092B-C50C-407E-A947-70E740481C1C}">
+                <a14:useLocalDpi xmlns:a14="http://schemas.microsoft.com/office/drawing/2010/main" val="0"/>
+              </a:ext>
+            </a:extLst>
+          </a:blip>
+          <a:stretch>
+            <a:fillRect/>
+          </a:stretch>
+        </p:blipFill>
+        <p:spPr>
+          <a:xfrm>
+            <a:off x="4120392" y="4125566"/>
+            <a:ext cx="1445647" cy="1440000"/>
+          </a:xfrm>
+          <a:prstGeom prst="rect">
+            <a:avLst/>
+          </a:prstGeom>
+        </p:spPr>
+      </p:pic>
+      <p:pic>
+        <p:nvPicPr>
+          <p:cNvPr id="14" name="Picture 13" descr="A logo of a whale&#10;&#10;Description automatically generated">
+            <a:extLst>
+              <a:ext uri="{FF2B5EF4-FFF2-40B4-BE49-F238E27FC236}">
+                <a16:creationId xmlns:a16="http://schemas.microsoft.com/office/drawing/2014/main" id="{6105831E-A95B-1FED-9573-3A4C67607A9F}"/>
+              </a:ext>
+            </a:extLst>
+          </p:cNvPr>
+          <p:cNvPicPr>
+            <a:picLocks noChangeAspect="1"/>
+          </p:cNvPicPr>
+          <p:nvPr/>
+        </p:nvPicPr>
+        <p:blipFill>
+          <a:blip r:embed="rId5">
+            <a:extLst>
+              <a:ext uri="{28A0092B-C50C-407E-A947-70E740481C1C}">
+                <a14:useLocalDpi xmlns:a14="http://schemas.microsoft.com/office/drawing/2010/main" val="0"/>
+              </a:ext>
+            </a:extLst>
+          </a:blip>
+          <a:stretch>
+            <a:fillRect/>
+          </a:stretch>
+        </p:blipFill>
+        <p:spPr>
+          <a:xfrm>
+            <a:off x="6625963" y="4125566"/>
+            <a:ext cx="1440000" cy="1440000"/>
+          </a:xfrm>
+          <a:prstGeom prst="rect">
+            <a:avLst/>
+          </a:prstGeom>
+        </p:spPr>
+      </p:pic>
+      <p:sp>
+        <p:nvSpPr>
+          <p:cNvPr id="15" name="Título 1">
+            <a:extLst>
+              <a:ext uri="{FF2B5EF4-FFF2-40B4-BE49-F238E27FC236}">
+                <a16:creationId xmlns:a16="http://schemas.microsoft.com/office/drawing/2014/main" id="{3A3D3EEA-1D4B-CEE1-B6E5-87B834624384}"/>
+              </a:ext>
+            </a:extLst>
+          </p:cNvPr>
+          <p:cNvSpPr txBox="1">
+            <a:spLocks/>
+          </p:cNvSpPr>
+          <p:nvPr/>
+        </p:nvSpPr>
+        <p:spPr>
+          <a:xfrm>
+            <a:off x="4837655" y="6098607"/>
+            <a:ext cx="2508308" cy="473500"/>
+          </a:xfrm>
+          <a:prstGeom prst="rect">
+            <a:avLst/>
+          </a:prstGeom>
+        </p:spPr>
+        <p:txBody>
+          <a:bodyPr vert="horz" lIns="91440" tIns="45720" rIns="91440" bIns="45720" rtlCol="0" anchor="ctr">
+            <a:normAutofit fontScale="97500"/>
+          </a:bodyPr>
+          <a:lstStyle>
+            <a:lvl1pPr algn="ctr" defTabSz="914400" rtl="0" eaLnBrk="1" latinLnBrk="0" hangingPunct="1">
+              <a:lnSpc>
+                <a:spcPct val="90000"/>
+              </a:lnSpc>
+              <a:spcBef>
+                <a:spcPct val="0"/>
+              </a:spcBef>
+              <a:buNone/>
+              <a:defRPr sz="6000" kern="1200">
+                <a:solidFill>
+                  <a:schemeClr val="tx1"/>
+                </a:solidFill>
+                <a:latin typeface="+mj-lt"/>
+                <a:ea typeface="+mj-ea"/>
+                <a:cs typeface="+mj-cs"/>
+              </a:defRPr>
+            </a:lvl1pPr>
+          </a:lstStyle>
+          <a:p>
+            <a:r>
+              <a:rPr lang="pt-BR" sz="2800" dirty="0">
+                <a:latin typeface="Arial" panose="020B0604020202020204" pitchFamily="34" charset="0"/>
+                <a:cs typeface="Arial" panose="020B0604020202020204" pitchFamily="34" charset="0"/>
+              </a:rPr>
+              <a:t>Niterói - 2024</a:t>
+            </a:r>
           </a:p>
         </p:txBody>
       </p:sp>
@@ -3375,6 +3776,1517 @@
     <p:extLst>
       <p:ext uri="{BB962C8B-B14F-4D97-AF65-F5344CB8AC3E}">
         <p14:creationId xmlns:p14="http://schemas.microsoft.com/office/powerpoint/2010/main" val="761105257"/>
+      </p:ext>
+    </p:extLst>
+  </p:cSld>
+  <p:clrMapOvr>
+    <a:masterClrMapping/>
+  </p:clrMapOvr>
+</p:sld>
+</file>
+
+<file path=ppt/slides/slide10.xml><?xml version="1.0" encoding="utf-8"?>
+<p:sld xmlns:a="http://schemas.openxmlformats.org/drawingml/2006/main" xmlns:r="http://schemas.openxmlformats.org/officeDocument/2006/relationships" xmlns:p="http://schemas.openxmlformats.org/presentationml/2006/main">
+  <p:cSld>
+    <p:spTree>
+      <p:nvGrpSpPr>
+        <p:cNvPr id="1" name=""/>
+        <p:cNvGrpSpPr/>
+        <p:nvPr/>
+      </p:nvGrpSpPr>
+      <p:grpSpPr>
+        <a:xfrm>
+          <a:off x="0" y="0"/>
+          <a:ext cx="0" cy="0"/>
+          <a:chOff x="0" y="0"/>
+          <a:chExt cx="0" cy="0"/>
+        </a:xfrm>
+      </p:grpSpPr>
+      <p:sp>
+        <p:nvSpPr>
+          <p:cNvPr id="11" name="Title 10">
+            <a:extLst>
+              <a:ext uri="{FF2B5EF4-FFF2-40B4-BE49-F238E27FC236}">
+                <a16:creationId xmlns:a16="http://schemas.microsoft.com/office/drawing/2014/main" id="{48F5E9CF-0284-8EA5-B6F1-323FCA78800A}"/>
+              </a:ext>
+            </a:extLst>
+          </p:cNvPr>
+          <p:cNvSpPr>
+            <a:spLocks noGrp="1"/>
+          </p:cNvSpPr>
+          <p:nvPr>
+            <p:ph type="ctrTitle"/>
+          </p:nvPr>
+        </p:nvSpPr>
+        <p:spPr>
+          <a:xfrm>
+            <a:off x="1524000" y="2575419"/>
+            <a:ext cx="9144000" cy="934543"/>
+          </a:xfrm>
+        </p:spPr>
+        <p:txBody>
+          <a:bodyPr/>
+          <a:lstStyle/>
+          <a:p>
+            <a:r>
+              <a:rPr lang="pt-BR" b="1" dirty="0"/>
+              <a:t>Muito obrigado</a:t>
+            </a:r>
+          </a:p>
+        </p:txBody>
+      </p:sp>
+      <p:sp>
+        <p:nvSpPr>
+          <p:cNvPr id="4" name="Rectangle 3">
+            <a:extLst>
+              <a:ext uri="{FF2B5EF4-FFF2-40B4-BE49-F238E27FC236}">
+                <a16:creationId xmlns:a16="http://schemas.microsoft.com/office/drawing/2014/main" id="{92F02D51-EF2F-7BA9-6069-A659D6A243F7}"/>
+              </a:ext>
+            </a:extLst>
+          </p:cNvPr>
+          <p:cNvSpPr>
+            <a:spLocks noGrp="1" noRot="1" noMove="1" noResize="1" noEditPoints="1" noAdjustHandles="1" noChangeArrowheads="1" noChangeShapeType="1"/>
+          </p:cNvSpPr>
+          <p:nvPr/>
+        </p:nvSpPr>
+        <p:spPr>
+          <a:xfrm>
+            <a:off x="8389" y="8389"/>
+            <a:ext cx="1367406" cy="276837"/>
+          </a:xfrm>
+          <a:prstGeom prst="rect">
+            <a:avLst/>
+          </a:prstGeom>
+          <a:solidFill>
+            <a:schemeClr val="bg1"/>
+          </a:solidFill>
+          <a:ln>
+            <a:solidFill>
+              <a:schemeClr val="bg1"/>
+            </a:solidFill>
+          </a:ln>
+        </p:spPr>
+        <p:style>
+          <a:lnRef idx="2">
+            <a:schemeClr val="accent1">
+              <a:shade val="15000"/>
+            </a:schemeClr>
+          </a:lnRef>
+          <a:fillRef idx="1">
+            <a:schemeClr val="accent1"/>
+          </a:fillRef>
+          <a:effectRef idx="0">
+            <a:schemeClr val="accent1"/>
+          </a:effectRef>
+          <a:fontRef idx="minor">
+            <a:schemeClr val="lt1"/>
+          </a:fontRef>
+        </p:style>
+        <p:txBody>
+          <a:bodyPr rtlCol="0" anchor="ctr"/>
+          <a:lstStyle/>
+          <a:p>
+            <a:pPr algn="ctr"/>
+            <a:endParaRPr lang="pt-BR"/>
+          </a:p>
+        </p:txBody>
+      </p:sp>
+      <p:sp>
+        <p:nvSpPr>
+          <p:cNvPr id="15" name="Título 1">
+            <a:extLst>
+              <a:ext uri="{FF2B5EF4-FFF2-40B4-BE49-F238E27FC236}">
+                <a16:creationId xmlns:a16="http://schemas.microsoft.com/office/drawing/2014/main" id="{3A3D3EEA-1D4B-CEE1-B6E5-87B834624384}"/>
+              </a:ext>
+            </a:extLst>
+          </p:cNvPr>
+          <p:cNvSpPr txBox="1">
+            <a:spLocks/>
+          </p:cNvSpPr>
+          <p:nvPr/>
+        </p:nvSpPr>
+        <p:spPr>
+          <a:xfrm>
+            <a:off x="4837655" y="6098607"/>
+            <a:ext cx="2508308" cy="473500"/>
+          </a:xfrm>
+          <a:prstGeom prst="rect">
+            <a:avLst/>
+          </a:prstGeom>
+        </p:spPr>
+        <p:txBody>
+          <a:bodyPr vert="horz" lIns="91440" tIns="45720" rIns="91440" bIns="45720" rtlCol="0" anchor="ctr">
+            <a:normAutofit fontScale="97500"/>
+          </a:bodyPr>
+          <a:lstStyle>
+            <a:lvl1pPr algn="ctr" defTabSz="914400" rtl="0" eaLnBrk="1" latinLnBrk="0" hangingPunct="1">
+              <a:lnSpc>
+                <a:spcPct val="90000"/>
+              </a:lnSpc>
+              <a:spcBef>
+                <a:spcPct val="0"/>
+              </a:spcBef>
+              <a:buNone/>
+              <a:defRPr sz="6000" kern="1200">
+                <a:solidFill>
+                  <a:schemeClr val="tx1"/>
+                </a:solidFill>
+                <a:latin typeface="+mj-lt"/>
+                <a:ea typeface="+mj-ea"/>
+                <a:cs typeface="+mj-cs"/>
+              </a:defRPr>
+            </a:lvl1pPr>
+          </a:lstStyle>
+          <a:p>
+            <a:r>
+              <a:rPr lang="pt-BR" sz="2800" dirty="0">
+                <a:latin typeface="Arial" panose="020B0604020202020204" pitchFamily="34" charset="0"/>
+                <a:cs typeface="Arial" panose="020B0604020202020204" pitchFamily="34" charset="0"/>
+              </a:rPr>
+              <a:t>Niterói - 2024</a:t>
+            </a:r>
+          </a:p>
+        </p:txBody>
+      </p:sp>
+      <p:sp>
+        <p:nvSpPr>
+          <p:cNvPr id="7" name="Subtitle 6">
+            <a:extLst>
+              <a:ext uri="{FF2B5EF4-FFF2-40B4-BE49-F238E27FC236}">
+                <a16:creationId xmlns:a16="http://schemas.microsoft.com/office/drawing/2014/main" id="{3C47051B-F425-3128-61A0-E02FB003F766}"/>
+              </a:ext>
+            </a:extLst>
+          </p:cNvPr>
+          <p:cNvSpPr>
+            <a:spLocks noGrp="1"/>
+          </p:cNvSpPr>
+          <p:nvPr>
+            <p:ph type="subTitle" idx="1"/>
+          </p:nvPr>
+        </p:nvSpPr>
+        <p:spPr>
+          <a:xfrm>
+            <a:off x="1524000" y="3509962"/>
+            <a:ext cx="9144000" cy="534798"/>
+          </a:xfrm>
+        </p:spPr>
+        <p:txBody>
+          <a:bodyPr/>
+          <a:lstStyle/>
+          <a:p>
+            <a:r>
+              <a:rPr lang="pt-BR" dirty="0"/>
+              <a:t>(Fim da apresentação)</a:t>
+            </a:r>
+          </a:p>
+        </p:txBody>
+      </p:sp>
+    </p:spTree>
+    <p:extLst>
+      <p:ext uri="{BB962C8B-B14F-4D97-AF65-F5344CB8AC3E}">
+        <p14:creationId xmlns:p14="http://schemas.microsoft.com/office/powerpoint/2010/main" val="4201206099"/>
+      </p:ext>
+    </p:extLst>
+  </p:cSld>
+  <p:clrMapOvr>
+    <a:masterClrMapping/>
+  </p:clrMapOvr>
+</p:sld>
+</file>
+
+<file path=ppt/slides/slide2.xml><?xml version="1.0" encoding="utf-8"?>
+<p:sld xmlns:a="http://schemas.openxmlformats.org/drawingml/2006/main" xmlns:r="http://schemas.openxmlformats.org/officeDocument/2006/relationships" xmlns:p="http://schemas.openxmlformats.org/presentationml/2006/main">
+  <p:cSld>
+    <p:spTree>
+      <p:nvGrpSpPr>
+        <p:cNvPr id="1" name=""/>
+        <p:cNvGrpSpPr/>
+        <p:nvPr/>
+      </p:nvGrpSpPr>
+      <p:grpSpPr>
+        <a:xfrm>
+          <a:off x="0" y="0"/>
+          <a:ext cx="0" cy="0"/>
+          <a:chOff x="0" y="0"/>
+          <a:chExt cx="0" cy="0"/>
+        </a:xfrm>
+      </p:grpSpPr>
+      <p:sp>
+        <p:nvSpPr>
+          <p:cNvPr id="2" name="Rectangle 1">
+            <a:extLst>
+              <a:ext uri="{FF2B5EF4-FFF2-40B4-BE49-F238E27FC236}">
+                <a16:creationId xmlns:a16="http://schemas.microsoft.com/office/drawing/2014/main" id="{82A3C9AA-781F-2788-A27C-A4DF89D5F5F7}"/>
+              </a:ext>
+            </a:extLst>
+          </p:cNvPr>
+          <p:cNvSpPr/>
+          <p:nvPr/>
+        </p:nvSpPr>
+        <p:spPr>
+          <a:xfrm>
+            <a:off x="8389" y="8389"/>
+            <a:ext cx="1367406" cy="276837"/>
+          </a:xfrm>
+          <a:prstGeom prst="rect">
+            <a:avLst/>
+          </a:prstGeom>
+          <a:solidFill>
+            <a:schemeClr val="bg1"/>
+          </a:solidFill>
+          <a:ln>
+            <a:solidFill>
+              <a:schemeClr val="bg1"/>
+            </a:solidFill>
+          </a:ln>
+        </p:spPr>
+        <p:style>
+          <a:lnRef idx="2">
+            <a:schemeClr val="accent1">
+              <a:shade val="15000"/>
+            </a:schemeClr>
+          </a:lnRef>
+          <a:fillRef idx="1">
+            <a:schemeClr val="accent1"/>
+          </a:fillRef>
+          <a:effectRef idx="0">
+            <a:schemeClr val="accent1"/>
+          </a:effectRef>
+          <a:fontRef idx="minor">
+            <a:schemeClr val="lt1"/>
+          </a:fontRef>
+        </p:style>
+        <p:txBody>
+          <a:bodyPr rtlCol="0" anchor="ctr"/>
+          <a:lstStyle/>
+          <a:p>
+            <a:pPr algn="ctr"/>
+            <a:endParaRPr lang="pt-BR"/>
+          </a:p>
+        </p:txBody>
+      </p:sp>
+      <p:sp>
+        <p:nvSpPr>
+          <p:cNvPr id="3" name="Title 2">
+            <a:extLst>
+              <a:ext uri="{FF2B5EF4-FFF2-40B4-BE49-F238E27FC236}">
+                <a16:creationId xmlns:a16="http://schemas.microsoft.com/office/drawing/2014/main" id="{9CCC268E-6589-78FC-4285-4998D7F95CFA}"/>
+              </a:ext>
+            </a:extLst>
+          </p:cNvPr>
+          <p:cNvSpPr>
+            <a:spLocks noGrp="1"/>
+          </p:cNvSpPr>
+          <p:nvPr>
+            <p:ph type="ctrTitle"/>
+          </p:nvPr>
+        </p:nvSpPr>
+        <p:spPr>
+          <a:xfrm>
+            <a:off x="559267" y="476411"/>
+            <a:ext cx="9144000" cy="505102"/>
+          </a:xfrm>
+        </p:spPr>
+        <p:txBody>
+          <a:bodyPr anchor="t">
+            <a:normAutofit fontScale="90000"/>
+          </a:bodyPr>
+          <a:lstStyle/>
+          <a:p>
+            <a:pPr algn="l"/>
+            <a:r>
+              <a:rPr lang="pt-BR" sz="3600" b="1" dirty="0">
+                <a:latin typeface="Arial" panose="020B0604020202020204" pitchFamily="34" charset="0"/>
+                <a:cs typeface="Arial" panose="020B0604020202020204" pitchFamily="34" charset="0"/>
+              </a:rPr>
+              <a:t>Sumário</a:t>
+            </a:r>
+          </a:p>
+        </p:txBody>
+      </p:sp>
+      <p:sp>
+        <p:nvSpPr>
+          <p:cNvPr id="4" name="Subtitle 3">
+            <a:extLst>
+              <a:ext uri="{FF2B5EF4-FFF2-40B4-BE49-F238E27FC236}">
+                <a16:creationId xmlns:a16="http://schemas.microsoft.com/office/drawing/2014/main" id="{F206B082-B89C-1DF4-DEF7-1944756ABF9D}"/>
+              </a:ext>
+            </a:extLst>
+          </p:cNvPr>
+          <p:cNvSpPr>
+            <a:spLocks noGrp="1"/>
+          </p:cNvSpPr>
+          <p:nvPr>
+            <p:ph type="subTitle" idx="1"/>
+          </p:nvPr>
+        </p:nvSpPr>
+        <p:spPr>
+          <a:xfrm>
+            <a:off x="559267" y="1286676"/>
+            <a:ext cx="6579764" cy="4484949"/>
+          </a:xfrm>
+        </p:spPr>
+        <p:txBody>
+          <a:bodyPr anchor="t"/>
+          <a:lstStyle/>
+          <a:p>
+            <a:pPr marL="457200" indent="-457200" algn="l">
+              <a:buAutoNum type="arabicPeriod"/>
+            </a:pPr>
+            <a:r>
+              <a:rPr lang="pt-BR" dirty="0"/>
+              <a:t>Operação de conexão vertical direta</a:t>
+            </a:r>
+          </a:p>
+          <a:p>
+            <a:pPr marL="457200" indent="-457200" algn="l">
+              <a:buAutoNum type="arabicPeriod"/>
+            </a:pPr>
+            <a:r>
+              <a:rPr lang="pt-BR" dirty="0"/>
+              <a:t>Especificações técnicas</a:t>
+            </a:r>
+          </a:p>
+          <a:p>
+            <a:pPr marL="457200" indent="-457200" algn="l">
+              <a:buAutoNum type="arabicPeriod"/>
+            </a:pPr>
+            <a:r>
+              <a:rPr lang="pt-BR" dirty="0"/>
+              <a:t>Metodologia de análise adotada</a:t>
+            </a:r>
+          </a:p>
+          <a:p>
+            <a:pPr marL="457200" indent="-457200" algn="l">
+              <a:buAutoNum type="arabicPeriod"/>
+            </a:pPr>
+            <a:r>
+              <a:rPr lang="pt-BR" dirty="0"/>
+              <a:t>Interface e Modelagem</a:t>
+            </a:r>
+          </a:p>
+          <a:p>
+            <a:pPr marL="457200" indent="-457200" algn="l">
+              <a:buAutoNum type="arabicPeriod"/>
+            </a:pPr>
+            <a:r>
+              <a:rPr lang="pt-BR" dirty="0"/>
+              <a:t>Funcionamento da ferramenta computacional</a:t>
+            </a:r>
+          </a:p>
+          <a:p>
+            <a:pPr marL="457200" indent="-457200" algn="l">
+              <a:buAutoNum type="arabicPeriod"/>
+            </a:pPr>
+            <a:r>
+              <a:rPr lang="pt-BR" dirty="0"/>
+              <a:t>Avaliação dos resultados</a:t>
+            </a:r>
+          </a:p>
+          <a:p>
+            <a:pPr marL="457200" indent="-457200" algn="l">
+              <a:buAutoNum type="arabicPeriod"/>
+            </a:pPr>
+            <a:r>
+              <a:rPr lang="pt-BR" dirty="0"/>
+              <a:t>Sugestões de melhoria</a:t>
+            </a:r>
+          </a:p>
+          <a:p>
+            <a:pPr marL="457200" indent="-457200" algn="l">
+              <a:buAutoNum type="arabicPeriod"/>
+            </a:pPr>
+            <a:endParaRPr lang="pt-BR" dirty="0"/>
+          </a:p>
+        </p:txBody>
+      </p:sp>
+    </p:spTree>
+    <p:extLst>
+      <p:ext uri="{BB962C8B-B14F-4D97-AF65-F5344CB8AC3E}">
+        <p14:creationId xmlns:p14="http://schemas.microsoft.com/office/powerpoint/2010/main" val="2531274135"/>
+      </p:ext>
+    </p:extLst>
+  </p:cSld>
+  <p:clrMapOvr>
+    <a:masterClrMapping/>
+  </p:clrMapOvr>
+</p:sld>
+</file>
+
+<file path=ppt/slides/slide3.xml><?xml version="1.0" encoding="utf-8"?>
+<p:sld xmlns:a="http://schemas.openxmlformats.org/drawingml/2006/main" xmlns:r="http://schemas.openxmlformats.org/officeDocument/2006/relationships" xmlns:p="http://schemas.openxmlformats.org/presentationml/2006/main">
+  <p:cSld>
+    <p:spTree>
+      <p:nvGrpSpPr>
+        <p:cNvPr id="1" name=""/>
+        <p:cNvGrpSpPr/>
+        <p:nvPr/>
+      </p:nvGrpSpPr>
+      <p:grpSpPr>
+        <a:xfrm>
+          <a:off x="0" y="0"/>
+          <a:ext cx="0" cy="0"/>
+          <a:chOff x="0" y="0"/>
+          <a:chExt cx="0" cy="0"/>
+        </a:xfrm>
+      </p:grpSpPr>
+      <p:sp>
+        <p:nvSpPr>
+          <p:cNvPr id="3" name="Content Placeholder 2">
+            <a:extLst>
+              <a:ext uri="{FF2B5EF4-FFF2-40B4-BE49-F238E27FC236}">
+                <a16:creationId xmlns:a16="http://schemas.microsoft.com/office/drawing/2014/main" id="{FE0B3BFD-A03A-02CC-6EDF-C1EBE6615B08}"/>
+              </a:ext>
+            </a:extLst>
+          </p:cNvPr>
+          <p:cNvSpPr>
+            <a:spLocks noGrp="1"/>
+          </p:cNvSpPr>
+          <p:nvPr>
+            <p:ph idx="1"/>
+          </p:nvPr>
+        </p:nvSpPr>
+        <p:spPr/>
+        <p:txBody>
+          <a:bodyPr anchor="ctr"/>
+          <a:lstStyle/>
+          <a:p>
+            <a:endParaRPr lang="pt-BR"/>
+          </a:p>
+        </p:txBody>
+      </p:sp>
+      <p:sp>
+        <p:nvSpPr>
+          <p:cNvPr id="4" name="Text Placeholder 3">
+            <a:extLst>
+              <a:ext uri="{FF2B5EF4-FFF2-40B4-BE49-F238E27FC236}">
+                <a16:creationId xmlns:a16="http://schemas.microsoft.com/office/drawing/2014/main" id="{FAF9CD9F-0AEF-D5BD-D4B3-AA85A3418558}"/>
+              </a:ext>
+            </a:extLst>
+          </p:cNvPr>
+          <p:cNvSpPr>
+            <a:spLocks noGrp="1"/>
+          </p:cNvSpPr>
+          <p:nvPr>
+            <p:ph type="body" sz="half" idx="2"/>
+          </p:nvPr>
+        </p:nvSpPr>
+        <p:spPr>
+          <a:xfrm>
+            <a:off x="839788" y="981513"/>
+            <a:ext cx="3932237" cy="4887475"/>
+          </a:xfrm>
+        </p:spPr>
+        <p:txBody>
+          <a:bodyPr anchor="ctr"/>
+          <a:lstStyle/>
+          <a:p>
+            <a:endParaRPr lang="pt-BR"/>
+          </a:p>
+        </p:txBody>
+      </p:sp>
+      <p:sp>
+        <p:nvSpPr>
+          <p:cNvPr id="5" name="Rectangle 4">
+            <a:extLst>
+              <a:ext uri="{FF2B5EF4-FFF2-40B4-BE49-F238E27FC236}">
+                <a16:creationId xmlns:a16="http://schemas.microsoft.com/office/drawing/2014/main" id="{11BBF056-23D5-C3E8-3357-1D489A5A9A0E}"/>
+              </a:ext>
+            </a:extLst>
+          </p:cNvPr>
+          <p:cNvSpPr/>
+          <p:nvPr/>
+        </p:nvSpPr>
+        <p:spPr>
+          <a:xfrm>
+            <a:off x="8389" y="8389"/>
+            <a:ext cx="1367406" cy="276837"/>
+          </a:xfrm>
+          <a:prstGeom prst="rect">
+            <a:avLst/>
+          </a:prstGeom>
+          <a:solidFill>
+            <a:schemeClr val="bg1"/>
+          </a:solidFill>
+          <a:ln>
+            <a:solidFill>
+              <a:schemeClr val="bg1"/>
+            </a:solidFill>
+          </a:ln>
+        </p:spPr>
+        <p:style>
+          <a:lnRef idx="2">
+            <a:schemeClr val="accent1">
+              <a:shade val="15000"/>
+            </a:schemeClr>
+          </a:lnRef>
+          <a:fillRef idx="1">
+            <a:schemeClr val="accent1"/>
+          </a:fillRef>
+          <a:effectRef idx="0">
+            <a:schemeClr val="accent1"/>
+          </a:effectRef>
+          <a:fontRef idx="minor">
+            <a:schemeClr val="lt1"/>
+          </a:fontRef>
+        </p:style>
+        <p:txBody>
+          <a:bodyPr rtlCol="0" anchor="ctr"/>
+          <a:lstStyle/>
+          <a:p>
+            <a:pPr algn="ctr"/>
+            <a:endParaRPr lang="pt-BR"/>
+          </a:p>
+        </p:txBody>
+      </p:sp>
+      <p:sp>
+        <p:nvSpPr>
+          <p:cNvPr id="6" name="Title 2">
+            <a:extLst>
+              <a:ext uri="{FF2B5EF4-FFF2-40B4-BE49-F238E27FC236}">
+                <a16:creationId xmlns:a16="http://schemas.microsoft.com/office/drawing/2014/main" id="{0A73B901-A900-96C0-1548-2EB1B21DEF1D}"/>
+              </a:ext>
+            </a:extLst>
+          </p:cNvPr>
+          <p:cNvSpPr txBox="1">
+            <a:spLocks/>
+          </p:cNvSpPr>
+          <p:nvPr/>
+        </p:nvSpPr>
+        <p:spPr>
+          <a:xfrm>
+            <a:off x="559267" y="476411"/>
+            <a:ext cx="9144000" cy="505102"/>
+          </a:xfrm>
+          <a:prstGeom prst="rect">
+            <a:avLst/>
+          </a:prstGeom>
+        </p:spPr>
+        <p:txBody>
+          <a:bodyPr anchor="t">
+            <a:normAutofit fontScale="90000" lnSpcReduction="10000"/>
+          </a:bodyPr>
+          <a:lstStyle>
+            <a:lvl1pPr algn="l" defTabSz="914400" rtl="0" eaLnBrk="1" latinLnBrk="0" hangingPunct="1">
+              <a:lnSpc>
+                <a:spcPct val="90000"/>
+              </a:lnSpc>
+              <a:spcBef>
+                <a:spcPct val="0"/>
+              </a:spcBef>
+              <a:buNone/>
+              <a:defRPr sz="4400" kern="1200">
+                <a:solidFill>
+                  <a:schemeClr val="tx1"/>
+                </a:solidFill>
+                <a:latin typeface="+mj-lt"/>
+                <a:ea typeface="+mj-ea"/>
+                <a:cs typeface="+mj-cs"/>
+              </a:defRPr>
+            </a:lvl1pPr>
+          </a:lstStyle>
+          <a:p>
+            <a:r>
+              <a:rPr lang="pt-BR" sz="3600" b="1" dirty="0">
+                <a:latin typeface="Arial" panose="020B0604020202020204" pitchFamily="34" charset="0"/>
+                <a:cs typeface="Arial" panose="020B0604020202020204" pitchFamily="34" charset="0"/>
+              </a:rPr>
+              <a:t>Operação de conexão vertical direta</a:t>
+            </a:r>
+          </a:p>
+        </p:txBody>
+      </p:sp>
+      <p:pic>
+        <p:nvPicPr>
+          <p:cNvPr id="7" name="Picture 6">
+            <a:extLst>
+              <a:ext uri="{FF2B5EF4-FFF2-40B4-BE49-F238E27FC236}">
+                <a16:creationId xmlns:a16="http://schemas.microsoft.com/office/drawing/2014/main" id="{54565959-F09B-D5AB-93F1-4D54AD1C8D39}"/>
+              </a:ext>
+            </a:extLst>
+          </p:cNvPr>
+          <p:cNvPicPr>
+            <a:picLocks noChangeAspect="1"/>
+          </p:cNvPicPr>
+          <p:nvPr/>
+        </p:nvPicPr>
+        <p:blipFill>
+          <a:blip r:embed="rId2" cstate="print">
+            <a:extLst>
+              <a:ext uri="{28A0092B-C50C-407E-A947-70E740481C1C}">
+                <a14:useLocalDpi xmlns:a14="http://schemas.microsoft.com/office/drawing/2010/main" val="0"/>
+              </a:ext>
+            </a:extLst>
+          </a:blip>
+          <a:srcRect/>
+          <a:stretch>
+            <a:fillRect/>
+          </a:stretch>
+        </p:blipFill>
+        <p:spPr bwMode="auto">
+          <a:xfrm>
+            <a:off x="1851689" y="2372162"/>
+            <a:ext cx="2767330" cy="2247900"/>
+          </a:xfrm>
+          <a:prstGeom prst="rect">
+            <a:avLst/>
+          </a:prstGeom>
+          <a:noFill/>
+          <a:ln>
+            <a:noFill/>
+          </a:ln>
+        </p:spPr>
+      </p:pic>
+    </p:spTree>
+    <p:extLst>
+      <p:ext uri="{BB962C8B-B14F-4D97-AF65-F5344CB8AC3E}">
+        <p14:creationId xmlns:p14="http://schemas.microsoft.com/office/powerpoint/2010/main" val="3184959953"/>
+      </p:ext>
+    </p:extLst>
+  </p:cSld>
+  <p:clrMapOvr>
+    <a:masterClrMapping/>
+  </p:clrMapOvr>
+</p:sld>
+</file>
+
+<file path=ppt/slides/slide4.xml><?xml version="1.0" encoding="utf-8"?>
+<p:sld xmlns:a="http://schemas.openxmlformats.org/drawingml/2006/main" xmlns:r="http://schemas.openxmlformats.org/officeDocument/2006/relationships" xmlns:p="http://schemas.openxmlformats.org/presentationml/2006/main">
+  <p:cSld>
+    <p:spTree>
+      <p:nvGrpSpPr>
+        <p:cNvPr id="1" name=""/>
+        <p:cNvGrpSpPr/>
+        <p:nvPr/>
+      </p:nvGrpSpPr>
+      <p:grpSpPr>
+        <a:xfrm>
+          <a:off x="0" y="0"/>
+          <a:ext cx="0" cy="0"/>
+          <a:chOff x="0" y="0"/>
+          <a:chExt cx="0" cy="0"/>
+        </a:xfrm>
+      </p:grpSpPr>
+      <p:sp>
+        <p:nvSpPr>
+          <p:cNvPr id="2" name="Rectangle 1">
+            <a:extLst>
+              <a:ext uri="{FF2B5EF4-FFF2-40B4-BE49-F238E27FC236}">
+                <a16:creationId xmlns:a16="http://schemas.microsoft.com/office/drawing/2014/main" id="{82A3C9AA-781F-2788-A27C-A4DF89D5F5F7}"/>
+              </a:ext>
+            </a:extLst>
+          </p:cNvPr>
+          <p:cNvSpPr/>
+          <p:nvPr/>
+        </p:nvSpPr>
+        <p:spPr>
+          <a:xfrm>
+            <a:off x="8389" y="8389"/>
+            <a:ext cx="1367406" cy="276837"/>
+          </a:xfrm>
+          <a:prstGeom prst="rect">
+            <a:avLst/>
+          </a:prstGeom>
+          <a:solidFill>
+            <a:schemeClr val="bg1"/>
+          </a:solidFill>
+          <a:ln>
+            <a:solidFill>
+              <a:schemeClr val="bg1"/>
+            </a:solidFill>
+          </a:ln>
+        </p:spPr>
+        <p:style>
+          <a:lnRef idx="2">
+            <a:schemeClr val="accent1">
+              <a:shade val="15000"/>
+            </a:schemeClr>
+          </a:lnRef>
+          <a:fillRef idx="1">
+            <a:schemeClr val="accent1"/>
+          </a:fillRef>
+          <a:effectRef idx="0">
+            <a:schemeClr val="accent1"/>
+          </a:effectRef>
+          <a:fontRef idx="minor">
+            <a:schemeClr val="lt1"/>
+          </a:fontRef>
+        </p:style>
+        <p:txBody>
+          <a:bodyPr rtlCol="0" anchor="ctr"/>
+          <a:lstStyle/>
+          <a:p>
+            <a:pPr algn="ctr"/>
+            <a:endParaRPr lang="pt-BR"/>
+          </a:p>
+        </p:txBody>
+      </p:sp>
+      <p:sp>
+        <p:nvSpPr>
+          <p:cNvPr id="3" name="Title 2">
+            <a:extLst>
+              <a:ext uri="{FF2B5EF4-FFF2-40B4-BE49-F238E27FC236}">
+                <a16:creationId xmlns:a16="http://schemas.microsoft.com/office/drawing/2014/main" id="{EF41C3DC-A068-3CFD-C4B2-D8F09AA1D675}"/>
+              </a:ext>
+            </a:extLst>
+          </p:cNvPr>
+          <p:cNvSpPr txBox="1">
+            <a:spLocks/>
+          </p:cNvSpPr>
+          <p:nvPr/>
+        </p:nvSpPr>
+        <p:spPr>
+          <a:xfrm>
+            <a:off x="559267" y="476411"/>
+            <a:ext cx="9144000" cy="505102"/>
+          </a:xfrm>
+          <a:prstGeom prst="rect">
+            <a:avLst/>
+          </a:prstGeom>
+        </p:spPr>
+        <p:txBody>
+          <a:bodyPr anchor="t">
+            <a:normAutofit fontScale="90000" lnSpcReduction="10000"/>
+          </a:bodyPr>
+          <a:lstStyle>
+            <a:lvl1pPr algn="l" defTabSz="914400" rtl="0" eaLnBrk="1" latinLnBrk="0" hangingPunct="1">
+              <a:lnSpc>
+                <a:spcPct val="90000"/>
+              </a:lnSpc>
+              <a:spcBef>
+                <a:spcPct val="0"/>
+              </a:spcBef>
+              <a:buNone/>
+              <a:defRPr sz="4400" kern="1200">
+                <a:solidFill>
+                  <a:schemeClr val="tx1"/>
+                </a:solidFill>
+                <a:latin typeface="+mj-lt"/>
+                <a:ea typeface="+mj-ea"/>
+                <a:cs typeface="+mj-cs"/>
+              </a:defRPr>
+            </a:lvl1pPr>
+          </a:lstStyle>
+          <a:p>
+            <a:r>
+              <a:rPr lang="pt-BR" sz="3600" b="1" dirty="0">
+                <a:latin typeface="Arial" panose="020B0604020202020204" pitchFamily="34" charset="0"/>
+                <a:cs typeface="Arial" panose="020B0604020202020204" pitchFamily="34" charset="0"/>
+              </a:rPr>
+              <a:t>Especificações técnicas</a:t>
+            </a:r>
+          </a:p>
+        </p:txBody>
+      </p:sp>
+    </p:spTree>
+    <p:extLst>
+      <p:ext uri="{BB962C8B-B14F-4D97-AF65-F5344CB8AC3E}">
+        <p14:creationId xmlns:p14="http://schemas.microsoft.com/office/powerpoint/2010/main" val="2694854849"/>
+      </p:ext>
+    </p:extLst>
+  </p:cSld>
+  <p:clrMapOvr>
+    <a:masterClrMapping/>
+  </p:clrMapOvr>
+</p:sld>
+</file>
+
+<file path=ppt/slides/slide5.xml><?xml version="1.0" encoding="utf-8"?>
+<p:sld xmlns:a="http://schemas.openxmlformats.org/drawingml/2006/main" xmlns:r="http://schemas.openxmlformats.org/officeDocument/2006/relationships" xmlns:p="http://schemas.openxmlformats.org/presentationml/2006/main">
+  <p:cSld>
+    <p:spTree>
+      <p:nvGrpSpPr>
+        <p:cNvPr id="1" name=""/>
+        <p:cNvGrpSpPr/>
+        <p:nvPr/>
+      </p:nvGrpSpPr>
+      <p:grpSpPr>
+        <a:xfrm>
+          <a:off x="0" y="0"/>
+          <a:ext cx="0" cy="0"/>
+          <a:chOff x="0" y="0"/>
+          <a:chExt cx="0" cy="0"/>
+        </a:xfrm>
+      </p:grpSpPr>
+      <p:sp>
+        <p:nvSpPr>
+          <p:cNvPr id="2" name="Rectangle 1">
+            <a:extLst>
+              <a:ext uri="{FF2B5EF4-FFF2-40B4-BE49-F238E27FC236}">
+                <a16:creationId xmlns:a16="http://schemas.microsoft.com/office/drawing/2014/main" id="{82A3C9AA-781F-2788-A27C-A4DF89D5F5F7}"/>
+              </a:ext>
+            </a:extLst>
+          </p:cNvPr>
+          <p:cNvSpPr/>
+          <p:nvPr/>
+        </p:nvSpPr>
+        <p:spPr>
+          <a:xfrm>
+            <a:off x="8389" y="8389"/>
+            <a:ext cx="1367406" cy="276837"/>
+          </a:xfrm>
+          <a:prstGeom prst="rect">
+            <a:avLst/>
+          </a:prstGeom>
+          <a:solidFill>
+            <a:schemeClr val="bg1"/>
+          </a:solidFill>
+          <a:ln>
+            <a:solidFill>
+              <a:schemeClr val="bg1"/>
+            </a:solidFill>
+          </a:ln>
+        </p:spPr>
+        <p:style>
+          <a:lnRef idx="2">
+            <a:schemeClr val="accent1">
+              <a:shade val="15000"/>
+            </a:schemeClr>
+          </a:lnRef>
+          <a:fillRef idx="1">
+            <a:schemeClr val="accent1"/>
+          </a:fillRef>
+          <a:effectRef idx="0">
+            <a:schemeClr val="accent1"/>
+          </a:effectRef>
+          <a:fontRef idx="minor">
+            <a:schemeClr val="lt1"/>
+          </a:fontRef>
+        </p:style>
+        <p:txBody>
+          <a:bodyPr rtlCol="0" anchor="ctr"/>
+          <a:lstStyle/>
+          <a:p>
+            <a:pPr algn="ctr"/>
+            <a:endParaRPr lang="pt-BR"/>
+          </a:p>
+        </p:txBody>
+      </p:sp>
+      <p:sp>
+        <p:nvSpPr>
+          <p:cNvPr id="3" name="Title 2">
+            <a:extLst>
+              <a:ext uri="{FF2B5EF4-FFF2-40B4-BE49-F238E27FC236}">
+                <a16:creationId xmlns:a16="http://schemas.microsoft.com/office/drawing/2014/main" id="{7BB8497F-5118-F644-C0A6-7A1B214426A3}"/>
+              </a:ext>
+            </a:extLst>
+          </p:cNvPr>
+          <p:cNvSpPr txBox="1">
+            <a:spLocks/>
+          </p:cNvSpPr>
+          <p:nvPr/>
+        </p:nvSpPr>
+        <p:spPr>
+          <a:xfrm>
+            <a:off x="559267" y="476411"/>
+            <a:ext cx="9144000" cy="505102"/>
+          </a:xfrm>
+          <a:prstGeom prst="rect">
+            <a:avLst/>
+          </a:prstGeom>
+        </p:spPr>
+        <p:txBody>
+          <a:bodyPr anchor="t">
+            <a:normAutofit fontScale="90000" lnSpcReduction="10000"/>
+          </a:bodyPr>
+          <a:lstStyle>
+            <a:lvl1pPr algn="l" defTabSz="914400" rtl="0" eaLnBrk="1" latinLnBrk="0" hangingPunct="1">
+              <a:lnSpc>
+                <a:spcPct val="90000"/>
+              </a:lnSpc>
+              <a:spcBef>
+                <a:spcPct val="0"/>
+              </a:spcBef>
+              <a:buNone/>
+              <a:defRPr sz="4400" kern="1200">
+                <a:solidFill>
+                  <a:schemeClr val="tx1"/>
+                </a:solidFill>
+                <a:latin typeface="+mj-lt"/>
+                <a:ea typeface="+mj-ea"/>
+                <a:cs typeface="+mj-cs"/>
+              </a:defRPr>
+            </a:lvl1pPr>
+          </a:lstStyle>
+          <a:p>
+            <a:r>
+              <a:rPr lang="pt-BR" sz="3600" b="1" dirty="0">
+                <a:latin typeface="Arial" panose="020B0604020202020204" pitchFamily="34" charset="0"/>
+                <a:cs typeface="Arial" panose="020B0604020202020204" pitchFamily="34" charset="0"/>
+              </a:rPr>
+              <a:t>Metodologia de análise adotada</a:t>
+            </a:r>
+          </a:p>
+        </p:txBody>
+      </p:sp>
+    </p:spTree>
+    <p:extLst>
+      <p:ext uri="{BB962C8B-B14F-4D97-AF65-F5344CB8AC3E}">
+        <p14:creationId xmlns:p14="http://schemas.microsoft.com/office/powerpoint/2010/main" val="3019860246"/>
+      </p:ext>
+    </p:extLst>
+  </p:cSld>
+  <p:clrMapOvr>
+    <a:masterClrMapping/>
+  </p:clrMapOvr>
+</p:sld>
+</file>
+
+<file path=ppt/slides/slide6.xml><?xml version="1.0" encoding="utf-8"?>
+<p:sld xmlns:a="http://schemas.openxmlformats.org/drawingml/2006/main" xmlns:r="http://schemas.openxmlformats.org/officeDocument/2006/relationships" xmlns:p="http://schemas.openxmlformats.org/presentationml/2006/main">
+  <p:cSld>
+    <p:spTree>
+      <p:nvGrpSpPr>
+        <p:cNvPr id="1" name=""/>
+        <p:cNvGrpSpPr/>
+        <p:nvPr/>
+      </p:nvGrpSpPr>
+      <p:grpSpPr>
+        <a:xfrm>
+          <a:off x="0" y="0"/>
+          <a:ext cx="0" cy="0"/>
+          <a:chOff x="0" y="0"/>
+          <a:chExt cx="0" cy="0"/>
+        </a:xfrm>
+      </p:grpSpPr>
+      <p:sp>
+        <p:nvSpPr>
+          <p:cNvPr id="2" name="Rectangle 1">
+            <a:extLst>
+              <a:ext uri="{FF2B5EF4-FFF2-40B4-BE49-F238E27FC236}">
+                <a16:creationId xmlns:a16="http://schemas.microsoft.com/office/drawing/2014/main" id="{82A3C9AA-781F-2788-A27C-A4DF89D5F5F7}"/>
+              </a:ext>
+            </a:extLst>
+          </p:cNvPr>
+          <p:cNvSpPr/>
+          <p:nvPr/>
+        </p:nvSpPr>
+        <p:spPr>
+          <a:xfrm>
+            <a:off x="8389" y="8389"/>
+            <a:ext cx="1367406" cy="276837"/>
+          </a:xfrm>
+          <a:prstGeom prst="rect">
+            <a:avLst/>
+          </a:prstGeom>
+          <a:solidFill>
+            <a:schemeClr val="bg1"/>
+          </a:solidFill>
+          <a:ln>
+            <a:solidFill>
+              <a:schemeClr val="bg1"/>
+            </a:solidFill>
+          </a:ln>
+        </p:spPr>
+        <p:style>
+          <a:lnRef idx="2">
+            <a:schemeClr val="accent1">
+              <a:shade val="15000"/>
+            </a:schemeClr>
+          </a:lnRef>
+          <a:fillRef idx="1">
+            <a:schemeClr val="accent1"/>
+          </a:fillRef>
+          <a:effectRef idx="0">
+            <a:schemeClr val="accent1"/>
+          </a:effectRef>
+          <a:fontRef idx="minor">
+            <a:schemeClr val="lt1"/>
+          </a:fontRef>
+        </p:style>
+        <p:txBody>
+          <a:bodyPr rtlCol="0" anchor="ctr"/>
+          <a:lstStyle/>
+          <a:p>
+            <a:pPr algn="ctr"/>
+            <a:endParaRPr lang="pt-BR"/>
+          </a:p>
+        </p:txBody>
+      </p:sp>
+      <p:sp>
+        <p:nvSpPr>
+          <p:cNvPr id="3" name="Title 2">
+            <a:extLst>
+              <a:ext uri="{FF2B5EF4-FFF2-40B4-BE49-F238E27FC236}">
+                <a16:creationId xmlns:a16="http://schemas.microsoft.com/office/drawing/2014/main" id="{EBD85381-0702-B9DF-2BC5-F04275DDA1C8}"/>
+              </a:ext>
+            </a:extLst>
+          </p:cNvPr>
+          <p:cNvSpPr txBox="1">
+            <a:spLocks/>
+          </p:cNvSpPr>
+          <p:nvPr/>
+        </p:nvSpPr>
+        <p:spPr>
+          <a:xfrm>
+            <a:off x="559267" y="476411"/>
+            <a:ext cx="9144000" cy="505102"/>
+          </a:xfrm>
+          <a:prstGeom prst="rect">
+            <a:avLst/>
+          </a:prstGeom>
+        </p:spPr>
+        <p:txBody>
+          <a:bodyPr anchor="t">
+            <a:normAutofit fontScale="90000" lnSpcReduction="10000"/>
+          </a:bodyPr>
+          <a:lstStyle>
+            <a:lvl1pPr algn="l" defTabSz="914400" rtl="0" eaLnBrk="1" latinLnBrk="0" hangingPunct="1">
+              <a:lnSpc>
+                <a:spcPct val="90000"/>
+              </a:lnSpc>
+              <a:spcBef>
+                <a:spcPct val="0"/>
+              </a:spcBef>
+              <a:buNone/>
+              <a:defRPr sz="4400" kern="1200">
+                <a:solidFill>
+                  <a:schemeClr val="tx1"/>
+                </a:solidFill>
+                <a:latin typeface="+mj-lt"/>
+                <a:ea typeface="+mj-ea"/>
+                <a:cs typeface="+mj-cs"/>
+              </a:defRPr>
+            </a:lvl1pPr>
+          </a:lstStyle>
+          <a:p>
+            <a:r>
+              <a:rPr lang="pt-BR" sz="3600" b="1" dirty="0">
+                <a:latin typeface="Arial" panose="020B0604020202020204" pitchFamily="34" charset="0"/>
+                <a:cs typeface="Arial" panose="020B0604020202020204" pitchFamily="34" charset="0"/>
+              </a:rPr>
+              <a:t>Interface e modelagem</a:t>
+            </a:r>
+          </a:p>
+        </p:txBody>
+      </p:sp>
+    </p:spTree>
+    <p:extLst>
+      <p:ext uri="{BB962C8B-B14F-4D97-AF65-F5344CB8AC3E}">
+        <p14:creationId xmlns:p14="http://schemas.microsoft.com/office/powerpoint/2010/main" val="2458134780"/>
+      </p:ext>
+    </p:extLst>
+  </p:cSld>
+  <p:clrMapOvr>
+    <a:masterClrMapping/>
+  </p:clrMapOvr>
+</p:sld>
+</file>
+
+<file path=ppt/slides/slide7.xml><?xml version="1.0" encoding="utf-8"?>
+<p:sld xmlns:a="http://schemas.openxmlformats.org/drawingml/2006/main" xmlns:r="http://schemas.openxmlformats.org/officeDocument/2006/relationships" xmlns:p="http://schemas.openxmlformats.org/presentationml/2006/main">
+  <p:cSld>
+    <p:spTree>
+      <p:nvGrpSpPr>
+        <p:cNvPr id="1" name=""/>
+        <p:cNvGrpSpPr/>
+        <p:nvPr/>
+      </p:nvGrpSpPr>
+      <p:grpSpPr>
+        <a:xfrm>
+          <a:off x="0" y="0"/>
+          <a:ext cx="0" cy="0"/>
+          <a:chOff x="0" y="0"/>
+          <a:chExt cx="0" cy="0"/>
+        </a:xfrm>
+      </p:grpSpPr>
+      <p:sp>
+        <p:nvSpPr>
+          <p:cNvPr id="2" name="Rectangle 1">
+            <a:extLst>
+              <a:ext uri="{FF2B5EF4-FFF2-40B4-BE49-F238E27FC236}">
+                <a16:creationId xmlns:a16="http://schemas.microsoft.com/office/drawing/2014/main" id="{82A3C9AA-781F-2788-A27C-A4DF89D5F5F7}"/>
+              </a:ext>
+            </a:extLst>
+          </p:cNvPr>
+          <p:cNvSpPr/>
+          <p:nvPr/>
+        </p:nvSpPr>
+        <p:spPr>
+          <a:xfrm>
+            <a:off x="8389" y="8389"/>
+            <a:ext cx="1367406" cy="276837"/>
+          </a:xfrm>
+          <a:prstGeom prst="rect">
+            <a:avLst/>
+          </a:prstGeom>
+          <a:solidFill>
+            <a:schemeClr val="bg1"/>
+          </a:solidFill>
+          <a:ln>
+            <a:solidFill>
+              <a:schemeClr val="bg1"/>
+            </a:solidFill>
+          </a:ln>
+        </p:spPr>
+        <p:style>
+          <a:lnRef idx="2">
+            <a:schemeClr val="accent1">
+              <a:shade val="15000"/>
+            </a:schemeClr>
+          </a:lnRef>
+          <a:fillRef idx="1">
+            <a:schemeClr val="accent1"/>
+          </a:fillRef>
+          <a:effectRef idx="0">
+            <a:schemeClr val="accent1"/>
+          </a:effectRef>
+          <a:fontRef idx="minor">
+            <a:schemeClr val="lt1"/>
+          </a:fontRef>
+        </p:style>
+        <p:txBody>
+          <a:bodyPr rtlCol="0" anchor="ctr"/>
+          <a:lstStyle/>
+          <a:p>
+            <a:pPr algn="ctr"/>
+            <a:endParaRPr lang="pt-BR"/>
+          </a:p>
+        </p:txBody>
+      </p:sp>
+      <p:sp>
+        <p:nvSpPr>
+          <p:cNvPr id="3" name="Title 2">
+            <a:extLst>
+              <a:ext uri="{FF2B5EF4-FFF2-40B4-BE49-F238E27FC236}">
+                <a16:creationId xmlns:a16="http://schemas.microsoft.com/office/drawing/2014/main" id="{45860716-23C8-6DA9-3CEE-498958C377B4}"/>
+              </a:ext>
+            </a:extLst>
+          </p:cNvPr>
+          <p:cNvSpPr txBox="1">
+            <a:spLocks/>
+          </p:cNvSpPr>
+          <p:nvPr/>
+        </p:nvSpPr>
+        <p:spPr>
+          <a:xfrm>
+            <a:off x="559267" y="476411"/>
+            <a:ext cx="9144000" cy="505102"/>
+          </a:xfrm>
+          <a:prstGeom prst="rect">
+            <a:avLst/>
+          </a:prstGeom>
+        </p:spPr>
+        <p:txBody>
+          <a:bodyPr anchor="t">
+            <a:normAutofit fontScale="90000" lnSpcReduction="10000"/>
+          </a:bodyPr>
+          <a:lstStyle>
+            <a:lvl1pPr algn="l" defTabSz="914400" rtl="0" eaLnBrk="1" latinLnBrk="0" hangingPunct="1">
+              <a:lnSpc>
+                <a:spcPct val="90000"/>
+              </a:lnSpc>
+              <a:spcBef>
+                <a:spcPct val="0"/>
+              </a:spcBef>
+              <a:buNone/>
+              <a:defRPr sz="4400" kern="1200">
+                <a:solidFill>
+                  <a:schemeClr val="tx1"/>
+                </a:solidFill>
+                <a:latin typeface="+mj-lt"/>
+                <a:ea typeface="+mj-ea"/>
+                <a:cs typeface="+mj-cs"/>
+              </a:defRPr>
+            </a:lvl1pPr>
+          </a:lstStyle>
+          <a:p>
+            <a:r>
+              <a:rPr lang="pt-BR" sz="3600" b="1" dirty="0">
+                <a:latin typeface="Arial" panose="020B0604020202020204" pitchFamily="34" charset="0"/>
+                <a:cs typeface="Arial" panose="020B0604020202020204" pitchFamily="34" charset="0"/>
+              </a:rPr>
+              <a:t>Funcionamento de ferramenta computacional</a:t>
+            </a:r>
+          </a:p>
+        </p:txBody>
+      </p:sp>
+    </p:spTree>
+    <p:extLst>
+      <p:ext uri="{BB962C8B-B14F-4D97-AF65-F5344CB8AC3E}">
+        <p14:creationId xmlns:p14="http://schemas.microsoft.com/office/powerpoint/2010/main" val="4288898077"/>
+      </p:ext>
+    </p:extLst>
+  </p:cSld>
+  <p:clrMapOvr>
+    <a:masterClrMapping/>
+  </p:clrMapOvr>
+</p:sld>
+</file>
+
+<file path=ppt/slides/slide8.xml><?xml version="1.0" encoding="utf-8"?>
+<p:sld xmlns:a="http://schemas.openxmlformats.org/drawingml/2006/main" xmlns:r="http://schemas.openxmlformats.org/officeDocument/2006/relationships" xmlns:p="http://schemas.openxmlformats.org/presentationml/2006/main">
+  <p:cSld>
+    <p:spTree>
+      <p:nvGrpSpPr>
+        <p:cNvPr id="1" name=""/>
+        <p:cNvGrpSpPr/>
+        <p:nvPr/>
+      </p:nvGrpSpPr>
+      <p:grpSpPr>
+        <a:xfrm>
+          <a:off x="0" y="0"/>
+          <a:ext cx="0" cy="0"/>
+          <a:chOff x="0" y="0"/>
+          <a:chExt cx="0" cy="0"/>
+        </a:xfrm>
+      </p:grpSpPr>
+      <p:sp>
+        <p:nvSpPr>
+          <p:cNvPr id="2" name="Rectangle 1">
+            <a:extLst>
+              <a:ext uri="{FF2B5EF4-FFF2-40B4-BE49-F238E27FC236}">
+                <a16:creationId xmlns:a16="http://schemas.microsoft.com/office/drawing/2014/main" id="{82A3C9AA-781F-2788-A27C-A4DF89D5F5F7}"/>
+              </a:ext>
+            </a:extLst>
+          </p:cNvPr>
+          <p:cNvSpPr/>
+          <p:nvPr/>
+        </p:nvSpPr>
+        <p:spPr>
+          <a:xfrm>
+            <a:off x="8389" y="8389"/>
+            <a:ext cx="1367406" cy="276837"/>
+          </a:xfrm>
+          <a:prstGeom prst="rect">
+            <a:avLst/>
+          </a:prstGeom>
+          <a:solidFill>
+            <a:schemeClr val="bg1"/>
+          </a:solidFill>
+          <a:ln>
+            <a:solidFill>
+              <a:schemeClr val="bg1"/>
+            </a:solidFill>
+          </a:ln>
+        </p:spPr>
+        <p:style>
+          <a:lnRef idx="2">
+            <a:schemeClr val="accent1">
+              <a:shade val="15000"/>
+            </a:schemeClr>
+          </a:lnRef>
+          <a:fillRef idx="1">
+            <a:schemeClr val="accent1"/>
+          </a:fillRef>
+          <a:effectRef idx="0">
+            <a:schemeClr val="accent1"/>
+          </a:effectRef>
+          <a:fontRef idx="minor">
+            <a:schemeClr val="lt1"/>
+          </a:fontRef>
+        </p:style>
+        <p:txBody>
+          <a:bodyPr rtlCol="0" anchor="ctr"/>
+          <a:lstStyle/>
+          <a:p>
+            <a:pPr algn="ctr"/>
+            <a:endParaRPr lang="pt-BR"/>
+          </a:p>
+        </p:txBody>
+      </p:sp>
+      <p:sp>
+        <p:nvSpPr>
+          <p:cNvPr id="3" name="Title 2">
+            <a:extLst>
+              <a:ext uri="{FF2B5EF4-FFF2-40B4-BE49-F238E27FC236}">
+                <a16:creationId xmlns:a16="http://schemas.microsoft.com/office/drawing/2014/main" id="{8BCDE2F9-2808-4533-64CB-A82354E98D82}"/>
+              </a:ext>
+            </a:extLst>
+          </p:cNvPr>
+          <p:cNvSpPr txBox="1">
+            <a:spLocks/>
+          </p:cNvSpPr>
+          <p:nvPr/>
+        </p:nvSpPr>
+        <p:spPr>
+          <a:xfrm>
+            <a:off x="559267" y="476411"/>
+            <a:ext cx="9144000" cy="505102"/>
+          </a:xfrm>
+          <a:prstGeom prst="rect">
+            <a:avLst/>
+          </a:prstGeom>
+        </p:spPr>
+        <p:txBody>
+          <a:bodyPr anchor="t">
+            <a:normAutofit fontScale="90000" lnSpcReduction="10000"/>
+          </a:bodyPr>
+          <a:lstStyle>
+            <a:lvl1pPr algn="l" defTabSz="914400" rtl="0" eaLnBrk="1" latinLnBrk="0" hangingPunct="1">
+              <a:lnSpc>
+                <a:spcPct val="90000"/>
+              </a:lnSpc>
+              <a:spcBef>
+                <a:spcPct val="0"/>
+              </a:spcBef>
+              <a:buNone/>
+              <a:defRPr sz="4400" kern="1200">
+                <a:solidFill>
+                  <a:schemeClr val="tx1"/>
+                </a:solidFill>
+                <a:latin typeface="+mj-lt"/>
+                <a:ea typeface="+mj-ea"/>
+                <a:cs typeface="+mj-cs"/>
+              </a:defRPr>
+            </a:lvl1pPr>
+          </a:lstStyle>
+          <a:p>
+            <a:r>
+              <a:rPr lang="pt-BR" sz="3600" b="1" dirty="0">
+                <a:latin typeface="Arial" panose="020B0604020202020204" pitchFamily="34" charset="0"/>
+                <a:cs typeface="Arial" panose="020B0604020202020204" pitchFamily="34" charset="0"/>
+              </a:rPr>
+              <a:t>Avaliação dos resultados</a:t>
+            </a:r>
+          </a:p>
+        </p:txBody>
+      </p:sp>
+    </p:spTree>
+    <p:extLst>
+      <p:ext uri="{BB962C8B-B14F-4D97-AF65-F5344CB8AC3E}">
+        <p14:creationId xmlns:p14="http://schemas.microsoft.com/office/powerpoint/2010/main" val="2737590366"/>
+      </p:ext>
+    </p:extLst>
+  </p:cSld>
+  <p:clrMapOvr>
+    <a:masterClrMapping/>
+  </p:clrMapOvr>
+</p:sld>
+</file>
+
+<file path=ppt/slides/slide9.xml><?xml version="1.0" encoding="utf-8"?>
+<p:sld xmlns:a="http://schemas.openxmlformats.org/drawingml/2006/main" xmlns:r="http://schemas.openxmlformats.org/officeDocument/2006/relationships" xmlns:p="http://schemas.openxmlformats.org/presentationml/2006/main">
+  <p:cSld>
+    <p:spTree>
+      <p:nvGrpSpPr>
+        <p:cNvPr id="1" name=""/>
+        <p:cNvGrpSpPr/>
+        <p:nvPr/>
+      </p:nvGrpSpPr>
+      <p:grpSpPr>
+        <a:xfrm>
+          <a:off x="0" y="0"/>
+          <a:ext cx="0" cy="0"/>
+          <a:chOff x="0" y="0"/>
+          <a:chExt cx="0" cy="0"/>
+        </a:xfrm>
+      </p:grpSpPr>
+      <p:sp>
+        <p:nvSpPr>
+          <p:cNvPr id="2" name="Rectangle 1">
+            <a:extLst>
+              <a:ext uri="{FF2B5EF4-FFF2-40B4-BE49-F238E27FC236}">
+                <a16:creationId xmlns:a16="http://schemas.microsoft.com/office/drawing/2014/main" id="{82A3C9AA-781F-2788-A27C-A4DF89D5F5F7}"/>
+              </a:ext>
+            </a:extLst>
+          </p:cNvPr>
+          <p:cNvSpPr/>
+          <p:nvPr/>
+        </p:nvSpPr>
+        <p:spPr>
+          <a:xfrm>
+            <a:off x="8389" y="8389"/>
+            <a:ext cx="1367406" cy="276837"/>
+          </a:xfrm>
+          <a:prstGeom prst="rect">
+            <a:avLst/>
+          </a:prstGeom>
+          <a:solidFill>
+            <a:schemeClr val="bg1"/>
+          </a:solidFill>
+          <a:ln>
+            <a:solidFill>
+              <a:schemeClr val="bg1"/>
+            </a:solidFill>
+          </a:ln>
+        </p:spPr>
+        <p:style>
+          <a:lnRef idx="2">
+            <a:schemeClr val="accent1">
+              <a:shade val="15000"/>
+            </a:schemeClr>
+          </a:lnRef>
+          <a:fillRef idx="1">
+            <a:schemeClr val="accent1"/>
+          </a:fillRef>
+          <a:effectRef idx="0">
+            <a:schemeClr val="accent1"/>
+          </a:effectRef>
+          <a:fontRef idx="minor">
+            <a:schemeClr val="lt1"/>
+          </a:fontRef>
+        </p:style>
+        <p:txBody>
+          <a:bodyPr rtlCol="0" anchor="ctr"/>
+          <a:lstStyle/>
+          <a:p>
+            <a:pPr algn="ctr"/>
+            <a:endParaRPr lang="pt-BR"/>
+          </a:p>
+        </p:txBody>
+      </p:sp>
+      <p:sp>
+        <p:nvSpPr>
+          <p:cNvPr id="3" name="Title 2">
+            <a:extLst>
+              <a:ext uri="{FF2B5EF4-FFF2-40B4-BE49-F238E27FC236}">
+                <a16:creationId xmlns:a16="http://schemas.microsoft.com/office/drawing/2014/main" id="{241CAAEF-DA1F-B5C1-CAE9-893D49F6CAA6}"/>
+              </a:ext>
+            </a:extLst>
+          </p:cNvPr>
+          <p:cNvSpPr txBox="1">
+            <a:spLocks/>
+          </p:cNvSpPr>
+          <p:nvPr/>
+        </p:nvSpPr>
+        <p:spPr>
+          <a:xfrm>
+            <a:off x="559267" y="476411"/>
+            <a:ext cx="9144000" cy="505102"/>
+          </a:xfrm>
+          <a:prstGeom prst="rect">
+            <a:avLst/>
+          </a:prstGeom>
+        </p:spPr>
+        <p:txBody>
+          <a:bodyPr anchor="t">
+            <a:normAutofit fontScale="90000" lnSpcReduction="10000"/>
+          </a:bodyPr>
+          <a:lstStyle>
+            <a:lvl1pPr algn="l" defTabSz="914400" rtl="0" eaLnBrk="1" latinLnBrk="0" hangingPunct="1">
+              <a:lnSpc>
+                <a:spcPct val="90000"/>
+              </a:lnSpc>
+              <a:spcBef>
+                <a:spcPct val="0"/>
+              </a:spcBef>
+              <a:buNone/>
+              <a:defRPr sz="4400" kern="1200">
+                <a:solidFill>
+                  <a:schemeClr val="tx1"/>
+                </a:solidFill>
+                <a:latin typeface="+mj-lt"/>
+                <a:ea typeface="+mj-ea"/>
+                <a:cs typeface="+mj-cs"/>
+              </a:defRPr>
+            </a:lvl1pPr>
+          </a:lstStyle>
+          <a:p>
+            <a:r>
+              <a:rPr lang="pt-BR" sz="3600" b="1" dirty="0">
+                <a:latin typeface="Arial" panose="020B0604020202020204" pitchFamily="34" charset="0"/>
+                <a:cs typeface="Arial" panose="020B0604020202020204" pitchFamily="34" charset="0"/>
+              </a:rPr>
+              <a:t>Sugestões de melhoria</a:t>
+            </a:r>
+          </a:p>
+        </p:txBody>
+      </p:sp>
+    </p:spTree>
+    <p:extLst>
+      <p:ext uri="{BB962C8B-B14F-4D97-AF65-F5344CB8AC3E}">
+        <p14:creationId xmlns:p14="http://schemas.microsoft.com/office/powerpoint/2010/main" val="2997200699"/>
       </p:ext>
     </p:extLst>
   </p:cSld>
@@ -3680,6 +5592,26 @@
 </file>
 
 <file path=customXml/item1.xml><?xml version="1.0" encoding="utf-8"?>
+<p:properties xmlns:p="http://schemas.microsoft.com/office/2006/metadata/properties" xmlns:xsi="http://www.w3.org/2001/XMLSchema-instance" xmlns:pc="http://schemas.microsoft.com/office/infopath/2007/PartnerControls">
+  <documentManagement>
+    <lcf76f155ced4ddcb4097134ff3c332f xmlns="461c5b05-e7ae-45a9-96d4-4a689e060405">
+      <Terms xmlns="http://schemas.microsoft.com/office/infopath/2007/PartnerControls"/>
+    </lcf76f155ced4ddcb4097134ff3c332f>
+    <TaxCatchAll xmlns="903036b2-f8dc-4ca8-82df-457cf2fff651" xsi:nil="true"/>
+  </documentManagement>
+</p:properties>
+</file>
+
+<file path=customXml/item2.xml><?xml version="1.0" encoding="utf-8"?>
+<?mso-contentType ?>
+<FormTemplates xmlns="http://schemas.microsoft.com/sharepoint/v3/contenttype/forms">
+  <Display>DocumentLibraryForm</Display>
+  <Edit>DocumentLibraryForm</Edit>
+  <New>DocumentLibraryForm</New>
+</FormTemplates>
+</file>
+
+<file path=customXml/item3.xml><?xml version="1.0" encoding="utf-8"?>
 <ct:contentTypeSchema xmlns:ct="http://schemas.microsoft.com/office/2006/metadata/contentType" xmlns:ma="http://schemas.microsoft.com/office/2006/metadata/properties/metaAttributes" ct:_="" ma:_="" ma:contentTypeName="Documento" ma:contentTypeID="0x01010069E487C1B5A6A7469ECF295E300FC521" ma:contentTypeVersion="14" ma:contentTypeDescription="Crie um novo documento." ma:contentTypeScope="" ma:versionID="0960ac6fc61b40489ab078022ce7de8d">
   <xsd:schema xmlns:xsd="http://www.w3.org/2001/XMLSchema" xmlns:xs="http://www.w3.org/2001/XMLSchema" xmlns:p="http://schemas.microsoft.com/office/2006/metadata/properties" xmlns:ns2="509bbd28-9a6d-445a-83dd-f5d328eece76" xmlns:ns3="903036b2-f8dc-4ca8-82df-457cf2fff651" xmlns:ns4="461c5b05-e7ae-45a9-96d4-4a689e060405" targetNamespace="http://schemas.microsoft.com/office/2006/metadata/properties" ma:root="true" ma:fieldsID="d2f069df8fef6df821bd87bc04dd1b2c" ns2:_="" ns3:_="" ns4:_="">
     <xsd:import namespace="509bbd28-9a6d-445a-83dd-f5d328eece76"/>
@@ -3919,34 +5851,41 @@
 </ct:contentTypeSchema>
 </file>
 
-<file path=customXml/item2.xml><?xml version="1.0" encoding="utf-8"?>
-<?mso-contentType ?>
-<FormTemplates xmlns="http://schemas.microsoft.com/sharepoint/v3/contenttype/forms">
-  <Display>DocumentLibraryForm</Display>
-  <Edit>DocumentLibraryForm</Edit>
-  <New>DocumentLibraryForm</New>
-</FormTemplates>
-</file>
-
-<file path=customXml/item3.xml><?xml version="1.0" encoding="utf-8"?>
-<p:properties xmlns:p="http://schemas.microsoft.com/office/2006/metadata/properties" xmlns:xsi="http://www.w3.org/2001/XMLSchema-instance" xmlns:pc="http://schemas.microsoft.com/office/infopath/2007/PartnerControls">
-  <documentManagement>
-    <lcf76f155ced4ddcb4097134ff3c332f xmlns="461c5b05-e7ae-45a9-96d4-4a689e060405">
-      <Terms xmlns="http://schemas.microsoft.com/office/infopath/2007/PartnerControls"/>
-    </lcf76f155ced4ddcb4097134ff3c332f>
-    <TaxCatchAll xmlns="903036b2-f8dc-4ca8-82df-457cf2fff651" xsi:nil="true"/>
-  </documentManagement>
-</p:properties>
-</file>
-
 <file path=customXml/itemProps1.xml><?xml version="1.0" encoding="utf-8"?>
-<ds:datastoreItem xmlns:ds="http://schemas.openxmlformats.org/officeDocument/2006/customXml" ds:itemID="{4A39C60F-836F-4E30-B441-C27CD7D042E1}"/>
+<ds:datastoreItem xmlns:ds="http://schemas.openxmlformats.org/officeDocument/2006/customXml" ds:itemID="{950C1921-19CB-4359-896C-69A38E74F7DB}">
+  <ds:schemaRefs>
+    <ds:schemaRef ds:uri="http://schemas.microsoft.com/office/2006/metadata/properties"/>
+    <ds:schemaRef ds:uri="http://schemas.microsoft.com/office/infopath/2007/PartnerControls"/>
+    <ds:schemaRef ds:uri="461c5b05-e7ae-45a9-96d4-4a689e060405"/>
+    <ds:schemaRef ds:uri="903036b2-f8dc-4ca8-82df-457cf2fff651"/>
+  </ds:schemaRefs>
+</ds:datastoreItem>
 </file>
 
 <file path=customXml/itemProps2.xml><?xml version="1.0" encoding="utf-8"?>
-<ds:datastoreItem xmlns:ds="http://schemas.openxmlformats.org/officeDocument/2006/customXml" ds:itemID="{C4B1ED71-98D9-469C-8854-4477B5CB1BC1}"/>
+<ds:datastoreItem xmlns:ds="http://schemas.openxmlformats.org/officeDocument/2006/customXml" ds:itemID="{C4B1ED71-98D9-469C-8854-4477B5CB1BC1}">
+  <ds:schemaRefs>
+    <ds:schemaRef ds:uri="http://schemas.microsoft.com/sharepoint/v3/contenttype/forms"/>
+  </ds:schemaRefs>
+</ds:datastoreItem>
 </file>
 
 <file path=customXml/itemProps3.xml><?xml version="1.0" encoding="utf-8"?>
-<ds:datastoreItem xmlns:ds="http://schemas.openxmlformats.org/officeDocument/2006/customXml" ds:itemID="{950C1921-19CB-4359-896C-69A38E74F7DB}"/>
+<ds:datastoreItem xmlns:ds="http://schemas.openxmlformats.org/officeDocument/2006/customXml" ds:itemID="{4A39C60F-836F-4E30-B441-C27CD7D042E1}">
+  <ds:schemaRefs>
+    <ds:schemaRef ds:uri="http://schemas.microsoft.com/office/2006/metadata/contentType"/>
+    <ds:schemaRef ds:uri="http://schemas.microsoft.com/office/2006/metadata/properties/metaAttributes"/>
+    <ds:schemaRef ds:uri="http://www.w3.org/2001/XMLSchema"/>
+    <ds:schemaRef ds:uri="http://schemas.microsoft.com/office/2006/metadata/properties"/>
+    <ds:schemaRef ds:uri="509bbd28-9a6d-445a-83dd-f5d328eece76"/>
+    <ds:schemaRef ds:uri="903036b2-f8dc-4ca8-82df-457cf2fff651"/>
+    <ds:schemaRef ds:uri="461c5b05-e7ae-45a9-96d4-4a689e060405"/>
+    <ds:schemaRef ds:uri="http://schemas.microsoft.com/office/2006/documentManagement/types"/>
+    <ds:schemaRef ds:uri="http://schemas.microsoft.com/office/infopath/2007/PartnerControls"/>
+    <ds:schemaRef ds:uri="http://schemas.openxmlformats.org/package/2006/metadata/core-properties"/>
+    <ds:schemaRef ds:uri="http://purl.org/dc/elements/1.1/"/>
+    <ds:schemaRef ds:uri="http://purl.org/dc/terms/"/>
+    <ds:schemaRef ds:uri="http://schemas.microsoft.com/internal/obd"/>
+  </ds:schemaRefs>
+</ds:datastoreItem>
 </file>
--- a/project/4-presentation/TCC - Daniel Teixeira Wanderley.pptx
+++ b/project/4-presentation/TCC - Daniel Teixeira Wanderley.pptx
@@ -6,15 +6,6 @@
   </p:sldMasterIdLst>
   <p:sldIdLst>
     <p:sldId id="256" r:id="rId5"/>
-    <p:sldId id="258" r:id="rId6"/>
-    <p:sldId id="266" r:id="rId7"/>
-    <p:sldId id="260" r:id="rId8"/>
-    <p:sldId id="261" r:id="rId9"/>
-    <p:sldId id="262" r:id="rId10"/>
-    <p:sldId id="263" r:id="rId11"/>
-    <p:sldId id="264" r:id="rId12"/>
-    <p:sldId id="265" r:id="rId13"/>
-    <p:sldId id="257" r:id="rId14"/>
   </p:sldIdLst>
   <p:sldSz cx="12192000" cy="6858000"/>
   <p:notesSz cx="6858000" cy="9144000"/>
@@ -3398,25 +3389,12 @@
             <p:ph type="ctrTitle"/>
           </p:nvPr>
         </p:nvSpPr>
-        <p:spPr>
-          <a:xfrm>
-            <a:off x="3596079" y="2271829"/>
-            <a:ext cx="5008229" cy="473500"/>
-          </a:xfrm>
-        </p:spPr>
-        <p:txBody>
-          <a:bodyPr anchor="ctr">
-            <a:normAutofit fontScale="90000"/>
-          </a:bodyPr>
-          <a:lstStyle/>
-          <a:p>
-            <a:r>
-              <a:rPr lang="pt-BR" sz="2800" dirty="0">
-                <a:latin typeface="Arial" panose="020B0604020202020204" pitchFamily="34" charset="0"/>
-                <a:cs typeface="Arial" panose="020B0604020202020204" pitchFamily="34" charset="0"/>
-              </a:rPr>
-              <a:t>(Projeto de conclusão de curso)</a:t>
-            </a:r>
+        <p:spPr/>
+        <p:txBody>
+          <a:bodyPr/>
+          <a:lstStyle/>
+          <a:p>
+            <a:endParaRPr lang="pt-BR"/>
           </a:p>
         </p:txBody>
       </p:sp>
@@ -3436,25 +3414,12 @@
             <p:ph type="subTitle" idx="1"/>
           </p:nvPr>
         </p:nvSpPr>
-        <p:spPr>
-          <a:xfrm>
-            <a:off x="2414636" y="3095950"/>
-            <a:ext cx="7354345" cy="852518"/>
-          </a:xfrm>
-        </p:spPr>
-        <p:txBody>
-          <a:bodyPr anchor="ctr">
-            <a:noAutofit/>
-          </a:bodyPr>
-          <a:lstStyle/>
-          <a:p>
-            <a:r>
-              <a:rPr lang="pt-BR" b="1" dirty="0">
-                <a:latin typeface="Arial" panose="020B0604020202020204" pitchFamily="34" charset="0"/>
-                <a:cs typeface="Arial" panose="020B0604020202020204" pitchFamily="34" charset="0"/>
-              </a:rPr>
-              <a:t>Automatização da análise de operação de CVD com integração python-OrcaFlex</a:t>
-            </a:r>
+        <p:spPr/>
+        <p:txBody>
+          <a:bodyPr/>
+          <a:lstStyle/>
+          <a:p>
+            <a:endParaRPr lang="pt-BR"/>
           </a:p>
         </p:txBody>
       </p:sp>
@@ -3467,9 +3432,7 @@
               </a:ext>
             </a:extLst>
           </p:cNvPr>
-          <p:cNvSpPr>
-            <a:spLocks noGrp="1" noRot="1" noMove="1" noResize="1" noEditPoints="1" noAdjustHandles="1" noChangeArrowheads="1" noChangeShapeType="1"/>
-          </p:cNvSpPr>
+          <p:cNvSpPr/>
           <p:nvPr/>
         </p:nvSpPr>
         <p:spPr>
@@ -3514,1779 +3477,10 @@
           </a:p>
         </p:txBody>
       </p:sp>
-      <p:pic>
-        <p:nvPicPr>
-          <p:cNvPr id="6" name="Picture 5" descr="A yellow gear with a globe and a yellow sign with black text&#10;&#10;Description automatically generated">
-            <a:extLst>
-              <a:ext uri="{FF2B5EF4-FFF2-40B4-BE49-F238E27FC236}">
-                <a16:creationId xmlns:a16="http://schemas.microsoft.com/office/drawing/2014/main" id="{BF5D192E-2C70-961E-8198-90702D075E19}"/>
-              </a:ext>
-            </a:extLst>
-          </p:cNvPr>
-          <p:cNvPicPr>
-            <a:picLocks noChangeAspect="1"/>
-          </p:cNvPicPr>
-          <p:nvPr/>
-        </p:nvPicPr>
-        <p:blipFill>
-          <a:blip r:embed="rId2">
-            <a:extLst>
-              <a:ext uri="{28A0092B-C50C-407E-A947-70E740481C1C}">
-                <a14:useLocalDpi xmlns:a14="http://schemas.microsoft.com/office/drawing/2010/main" val="0"/>
-              </a:ext>
-            </a:extLst>
-          </a:blip>
-          <a:stretch>
-            <a:fillRect/>
-          </a:stretch>
-        </p:blipFill>
-        <p:spPr>
-          <a:xfrm>
-            <a:off x="507453" y="695987"/>
-            <a:ext cx="1736684" cy="1440000"/>
-          </a:xfrm>
-          <a:prstGeom prst="rect">
-            <a:avLst/>
-          </a:prstGeom>
-        </p:spPr>
-      </p:pic>
-      <p:pic>
-        <p:nvPicPr>
-          <p:cNvPr id="8" name="Picture 7">
-            <a:extLst>
-              <a:ext uri="{FF2B5EF4-FFF2-40B4-BE49-F238E27FC236}">
-                <a16:creationId xmlns:a16="http://schemas.microsoft.com/office/drawing/2014/main" id="{C92A7153-C4CE-68D2-E366-EA431DE220AE}"/>
-              </a:ext>
-            </a:extLst>
-          </p:cNvPr>
-          <p:cNvPicPr>
-            <a:picLocks noChangeAspect="1"/>
-          </p:cNvPicPr>
-          <p:nvPr/>
-        </p:nvPicPr>
-        <p:blipFill>
-          <a:blip r:embed="rId3">
-            <a:extLst>
-              <a:ext uri="{28A0092B-C50C-407E-A947-70E740481C1C}">
-                <a14:useLocalDpi xmlns:a14="http://schemas.microsoft.com/office/drawing/2010/main" val="0"/>
-              </a:ext>
-            </a:extLst>
-          </a:blip>
-          <a:stretch>
-            <a:fillRect/>
-          </a:stretch>
-        </p:blipFill>
-        <p:spPr>
-          <a:xfrm>
-            <a:off x="10406547" y="695987"/>
-            <a:ext cx="1278000" cy="1440000"/>
-          </a:xfrm>
-          <a:prstGeom prst="rect">
-            <a:avLst/>
-          </a:prstGeom>
-        </p:spPr>
-      </p:pic>
-      <p:sp>
-        <p:nvSpPr>
-          <p:cNvPr id="10" name="Título 1">
-            <a:extLst>
-              <a:ext uri="{FF2B5EF4-FFF2-40B4-BE49-F238E27FC236}">
-                <a16:creationId xmlns:a16="http://schemas.microsoft.com/office/drawing/2014/main" id="{327F50A4-7CDC-68FA-358A-DE60CE8C8FEF}"/>
-              </a:ext>
-            </a:extLst>
-          </p:cNvPr>
-          <p:cNvSpPr txBox="1">
-            <a:spLocks/>
-          </p:cNvSpPr>
-          <p:nvPr/>
-        </p:nvSpPr>
-        <p:spPr>
-          <a:xfrm>
-            <a:off x="4120392" y="1312119"/>
-            <a:ext cx="3951215" cy="959710"/>
-          </a:xfrm>
-          <a:prstGeom prst="rect">
-            <a:avLst/>
-          </a:prstGeom>
-        </p:spPr>
-        <p:txBody>
-          <a:bodyPr vert="horz" lIns="91440" tIns="45720" rIns="91440" bIns="45720" rtlCol="0" anchor="ctr">
-            <a:normAutofit/>
-          </a:bodyPr>
-          <a:lstStyle>
-            <a:lvl1pPr algn="ctr" defTabSz="914400" rtl="0" eaLnBrk="1" latinLnBrk="0" hangingPunct="1">
-              <a:lnSpc>
-                <a:spcPct val="90000"/>
-              </a:lnSpc>
-              <a:spcBef>
-                <a:spcPct val="0"/>
-              </a:spcBef>
-              <a:buNone/>
-              <a:defRPr sz="6000" kern="1200">
-                <a:solidFill>
-                  <a:schemeClr val="tx1"/>
-                </a:solidFill>
-                <a:latin typeface="+mj-lt"/>
-                <a:ea typeface="+mj-ea"/>
-                <a:cs typeface="+mj-cs"/>
-              </a:defRPr>
-            </a:lvl1pPr>
-          </a:lstStyle>
-          <a:p>
-            <a:r>
-              <a:rPr lang="pt-BR" b="1" dirty="0">
-                <a:latin typeface="Arial" panose="020B0604020202020204" pitchFamily="34" charset="0"/>
-                <a:cs typeface="Arial" panose="020B0604020202020204" pitchFamily="34" charset="0"/>
-              </a:rPr>
-              <a:t>UFF - TEC</a:t>
-            </a:r>
-          </a:p>
-        </p:txBody>
-      </p:sp>
-      <p:pic>
-        <p:nvPicPr>
-          <p:cNvPr id="12" name="Picture 11" descr="A blue and yellow snake logo&#10;&#10;Description automatically generated">
-            <a:extLst>
-              <a:ext uri="{FF2B5EF4-FFF2-40B4-BE49-F238E27FC236}">
-                <a16:creationId xmlns:a16="http://schemas.microsoft.com/office/drawing/2014/main" id="{683CF2E0-B1F2-D663-7069-FA6DB8940A26}"/>
-              </a:ext>
-            </a:extLst>
-          </p:cNvPr>
-          <p:cNvPicPr>
-            <a:picLocks noChangeAspect="1"/>
-          </p:cNvPicPr>
-          <p:nvPr/>
-        </p:nvPicPr>
-        <p:blipFill>
-          <a:blip r:embed="rId4">
-            <a:extLst>
-              <a:ext uri="{28A0092B-C50C-407E-A947-70E740481C1C}">
-                <a14:useLocalDpi xmlns:a14="http://schemas.microsoft.com/office/drawing/2010/main" val="0"/>
-              </a:ext>
-            </a:extLst>
-          </a:blip>
-          <a:stretch>
-            <a:fillRect/>
-          </a:stretch>
-        </p:blipFill>
-        <p:spPr>
-          <a:xfrm>
-            <a:off x="4120392" y="4125566"/>
-            <a:ext cx="1445647" cy="1440000"/>
-          </a:xfrm>
-          <a:prstGeom prst="rect">
-            <a:avLst/>
-          </a:prstGeom>
-        </p:spPr>
-      </p:pic>
-      <p:pic>
-        <p:nvPicPr>
-          <p:cNvPr id="14" name="Picture 13" descr="A logo of a whale&#10;&#10;Description automatically generated">
-            <a:extLst>
-              <a:ext uri="{FF2B5EF4-FFF2-40B4-BE49-F238E27FC236}">
-                <a16:creationId xmlns:a16="http://schemas.microsoft.com/office/drawing/2014/main" id="{6105831E-A95B-1FED-9573-3A4C67607A9F}"/>
-              </a:ext>
-            </a:extLst>
-          </p:cNvPr>
-          <p:cNvPicPr>
-            <a:picLocks noChangeAspect="1"/>
-          </p:cNvPicPr>
-          <p:nvPr/>
-        </p:nvPicPr>
-        <p:blipFill>
-          <a:blip r:embed="rId5">
-            <a:extLst>
-              <a:ext uri="{28A0092B-C50C-407E-A947-70E740481C1C}">
-                <a14:useLocalDpi xmlns:a14="http://schemas.microsoft.com/office/drawing/2010/main" val="0"/>
-              </a:ext>
-            </a:extLst>
-          </a:blip>
-          <a:stretch>
-            <a:fillRect/>
-          </a:stretch>
-        </p:blipFill>
-        <p:spPr>
-          <a:xfrm>
-            <a:off x="6625963" y="4125566"/>
-            <a:ext cx="1440000" cy="1440000"/>
-          </a:xfrm>
-          <a:prstGeom prst="rect">
-            <a:avLst/>
-          </a:prstGeom>
-        </p:spPr>
-      </p:pic>
-      <p:sp>
-        <p:nvSpPr>
-          <p:cNvPr id="15" name="Título 1">
-            <a:extLst>
-              <a:ext uri="{FF2B5EF4-FFF2-40B4-BE49-F238E27FC236}">
-                <a16:creationId xmlns:a16="http://schemas.microsoft.com/office/drawing/2014/main" id="{3A3D3EEA-1D4B-CEE1-B6E5-87B834624384}"/>
-              </a:ext>
-            </a:extLst>
-          </p:cNvPr>
-          <p:cNvSpPr txBox="1">
-            <a:spLocks/>
-          </p:cNvSpPr>
-          <p:nvPr/>
-        </p:nvSpPr>
-        <p:spPr>
-          <a:xfrm>
-            <a:off x="4837655" y="6098607"/>
-            <a:ext cx="2508308" cy="473500"/>
-          </a:xfrm>
-          <a:prstGeom prst="rect">
-            <a:avLst/>
-          </a:prstGeom>
-        </p:spPr>
-        <p:txBody>
-          <a:bodyPr vert="horz" lIns="91440" tIns="45720" rIns="91440" bIns="45720" rtlCol="0" anchor="ctr">
-            <a:normAutofit fontScale="97500"/>
-          </a:bodyPr>
-          <a:lstStyle>
-            <a:lvl1pPr algn="ctr" defTabSz="914400" rtl="0" eaLnBrk="1" latinLnBrk="0" hangingPunct="1">
-              <a:lnSpc>
-                <a:spcPct val="90000"/>
-              </a:lnSpc>
-              <a:spcBef>
-                <a:spcPct val="0"/>
-              </a:spcBef>
-              <a:buNone/>
-              <a:defRPr sz="6000" kern="1200">
-                <a:solidFill>
-                  <a:schemeClr val="tx1"/>
-                </a:solidFill>
-                <a:latin typeface="+mj-lt"/>
-                <a:ea typeface="+mj-ea"/>
-                <a:cs typeface="+mj-cs"/>
-              </a:defRPr>
-            </a:lvl1pPr>
-          </a:lstStyle>
-          <a:p>
-            <a:r>
-              <a:rPr lang="pt-BR" sz="2800" dirty="0">
-                <a:latin typeface="Arial" panose="020B0604020202020204" pitchFamily="34" charset="0"/>
-                <a:cs typeface="Arial" panose="020B0604020202020204" pitchFamily="34" charset="0"/>
-              </a:rPr>
-              <a:t>Niterói - 2024</a:t>
-            </a:r>
-          </a:p>
-        </p:txBody>
-      </p:sp>
     </p:spTree>
     <p:extLst>
       <p:ext uri="{BB962C8B-B14F-4D97-AF65-F5344CB8AC3E}">
         <p14:creationId xmlns:p14="http://schemas.microsoft.com/office/powerpoint/2010/main" val="761105257"/>
-      </p:ext>
-    </p:extLst>
-  </p:cSld>
-  <p:clrMapOvr>
-    <a:masterClrMapping/>
-  </p:clrMapOvr>
-</p:sld>
-</file>
-
-<file path=ppt/slides/slide10.xml><?xml version="1.0" encoding="utf-8"?>
-<p:sld xmlns:a="http://schemas.openxmlformats.org/drawingml/2006/main" xmlns:r="http://schemas.openxmlformats.org/officeDocument/2006/relationships" xmlns:p="http://schemas.openxmlformats.org/presentationml/2006/main">
-  <p:cSld>
-    <p:spTree>
-      <p:nvGrpSpPr>
-        <p:cNvPr id="1" name=""/>
-        <p:cNvGrpSpPr/>
-        <p:nvPr/>
-      </p:nvGrpSpPr>
-      <p:grpSpPr>
-        <a:xfrm>
-          <a:off x="0" y="0"/>
-          <a:ext cx="0" cy="0"/>
-          <a:chOff x="0" y="0"/>
-          <a:chExt cx="0" cy="0"/>
-        </a:xfrm>
-      </p:grpSpPr>
-      <p:sp>
-        <p:nvSpPr>
-          <p:cNvPr id="11" name="Title 10">
-            <a:extLst>
-              <a:ext uri="{FF2B5EF4-FFF2-40B4-BE49-F238E27FC236}">
-                <a16:creationId xmlns:a16="http://schemas.microsoft.com/office/drawing/2014/main" id="{48F5E9CF-0284-8EA5-B6F1-323FCA78800A}"/>
-              </a:ext>
-            </a:extLst>
-          </p:cNvPr>
-          <p:cNvSpPr>
-            <a:spLocks noGrp="1"/>
-          </p:cNvSpPr>
-          <p:nvPr>
-            <p:ph type="ctrTitle"/>
-          </p:nvPr>
-        </p:nvSpPr>
-        <p:spPr>
-          <a:xfrm>
-            <a:off x="1524000" y="2575419"/>
-            <a:ext cx="9144000" cy="934543"/>
-          </a:xfrm>
-        </p:spPr>
-        <p:txBody>
-          <a:bodyPr/>
-          <a:lstStyle/>
-          <a:p>
-            <a:r>
-              <a:rPr lang="pt-BR" b="1" dirty="0"/>
-              <a:t>Muito obrigado</a:t>
-            </a:r>
-          </a:p>
-        </p:txBody>
-      </p:sp>
-      <p:sp>
-        <p:nvSpPr>
-          <p:cNvPr id="4" name="Rectangle 3">
-            <a:extLst>
-              <a:ext uri="{FF2B5EF4-FFF2-40B4-BE49-F238E27FC236}">
-                <a16:creationId xmlns:a16="http://schemas.microsoft.com/office/drawing/2014/main" id="{92F02D51-EF2F-7BA9-6069-A659D6A243F7}"/>
-              </a:ext>
-            </a:extLst>
-          </p:cNvPr>
-          <p:cNvSpPr>
-            <a:spLocks noGrp="1" noRot="1" noMove="1" noResize="1" noEditPoints="1" noAdjustHandles="1" noChangeArrowheads="1" noChangeShapeType="1"/>
-          </p:cNvSpPr>
-          <p:nvPr/>
-        </p:nvSpPr>
-        <p:spPr>
-          <a:xfrm>
-            <a:off x="8389" y="8389"/>
-            <a:ext cx="1367406" cy="276837"/>
-          </a:xfrm>
-          <a:prstGeom prst="rect">
-            <a:avLst/>
-          </a:prstGeom>
-          <a:solidFill>
-            <a:schemeClr val="bg1"/>
-          </a:solidFill>
-          <a:ln>
-            <a:solidFill>
-              <a:schemeClr val="bg1"/>
-            </a:solidFill>
-          </a:ln>
-        </p:spPr>
-        <p:style>
-          <a:lnRef idx="2">
-            <a:schemeClr val="accent1">
-              <a:shade val="15000"/>
-            </a:schemeClr>
-          </a:lnRef>
-          <a:fillRef idx="1">
-            <a:schemeClr val="accent1"/>
-          </a:fillRef>
-          <a:effectRef idx="0">
-            <a:schemeClr val="accent1"/>
-          </a:effectRef>
-          <a:fontRef idx="minor">
-            <a:schemeClr val="lt1"/>
-          </a:fontRef>
-        </p:style>
-        <p:txBody>
-          <a:bodyPr rtlCol="0" anchor="ctr"/>
-          <a:lstStyle/>
-          <a:p>
-            <a:pPr algn="ctr"/>
-            <a:endParaRPr lang="pt-BR"/>
-          </a:p>
-        </p:txBody>
-      </p:sp>
-      <p:sp>
-        <p:nvSpPr>
-          <p:cNvPr id="15" name="Título 1">
-            <a:extLst>
-              <a:ext uri="{FF2B5EF4-FFF2-40B4-BE49-F238E27FC236}">
-                <a16:creationId xmlns:a16="http://schemas.microsoft.com/office/drawing/2014/main" id="{3A3D3EEA-1D4B-CEE1-B6E5-87B834624384}"/>
-              </a:ext>
-            </a:extLst>
-          </p:cNvPr>
-          <p:cNvSpPr txBox="1">
-            <a:spLocks/>
-          </p:cNvSpPr>
-          <p:nvPr/>
-        </p:nvSpPr>
-        <p:spPr>
-          <a:xfrm>
-            <a:off x="4837655" y="6098607"/>
-            <a:ext cx="2508308" cy="473500"/>
-          </a:xfrm>
-          <a:prstGeom prst="rect">
-            <a:avLst/>
-          </a:prstGeom>
-        </p:spPr>
-        <p:txBody>
-          <a:bodyPr vert="horz" lIns="91440" tIns="45720" rIns="91440" bIns="45720" rtlCol="0" anchor="ctr">
-            <a:normAutofit fontScale="97500"/>
-          </a:bodyPr>
-          <a:lstStyle>
-            <a:lvl1pPr algn="ctr" defTabSz="914400" rtl="0" eaLnBrk="1" latinLnBrk="0" hangingPunct="1">
-              <a:lnSpc>
-                <a:spcPct val="90000"/>
-              </a:lnSpc>
-              <a:spcBef>
-                <a:spcPct val="0"/>
-              </a:spcBef>
-              <a:buNone/>
-              <a:defRPr sz="6000" kern="1200">
-                <a:solidFill>
-                  <a:schemeClr val="tx1"/>
-                </a:solidFill>
-                <a:latin typeface="+mj-lt"/>
-                <a:ea typeface="+mj-ea"/>
-                <a:cs typeface="+mj-cs"/>
-              </a:defRPr>
-            </a:lvl1pPr>
-          </a:lstStyle>
-          <a:p>
-            <a:r>
-              <a:rPr lang="pt-BR" sz="2800" dirty="0">
-                <a:latin typeface="Arial" panose="020B0604020202020204" pitchFamily="34" charset="0"/>
-                <a:cs typeface="Arial" panose="020B0604020202020204" pitchFamily="34" charset="0"/>
-              </a:rPr>
-              <a:t>Niterói - 2024</a:t>
-            </a:r>
-          </a:p>
-        </p:txBody>
-      </p:sp>
-      <p:sp>
-        <p:nvSpPr>
-          <p:cNvPr id="7" name="Subtitle 6">
-            <a:extLst>
-              <a:ext uri="{FF2B5EF4-FFF2-40B4-BE49-F238E27FC236}">
-                <a16:creationId xmlns:a16="http://schemas.microsoft.com/office/drawing/2014/main" id="{3C47051B-F425-3128-61A0-E02FB003F766}"/>
-              </a:ext>
-            </a:extLst>
-          </p:cNvPr>
-          <p:cNvSpPr>
-            <a:spLocks noGrp="1"/>
-          </p:cNvSpPr>
-          <p:nvPr>
-            <p:ph type="subTitle" idx="1"/>
-          </p:nvPr>
-        </p:nvSpPr>
-        <p:spPr>
-          <a:xfrm>
-            <a:off x="1524000" y="3509962"/>
-            <a:ext cx="9144000" cy="534798"/>
-          </a:xfrm>
-        </p:spPr>
-        <p:txBody>
-          <a:bodyPr/>
-          <a:lstStyle/>
-          <a:p>
-            <a:r>
-              <a:rPr lang="pt-BR" dirty="0"/>
-              <a:t>(Fim da apresentação)</a:t>
-            </a:r>
-          </a:p>
-        </p:txBody>
-      </p:sp>
-    </p:spTree>
-    <p:extLst>
-      <p:ext uri="{BB962C8B-B14F-4D97-AF65-F5344CB8AC3E}">
-        <p14:creationId xmlns:p14="http://schemas.microsoft.com/office/powerpoint/2010/main" val="4201206099"/>
-      </p:ext>
-    </p:extLst>
-  </p:cSld>
-  <p:clrMapOvr>
-    <a:masterClrMapping/>
-  </p:clrMapOvr>
-</p:sld>
-</file>
-
-<file path=ppt/slides/slide2.xml><?xml version="1.0" encoding="utf-8"?>
-<p:sld xmlns:a="http://schemas.openxmlformats.org/drawingml/2006/main" xmlns:r="http://schemas.openxmlformats.org/officeDocument/2006/relationships" xmlns:p="http://schemas.openxmlformats.org/presentationml/2006/main">
-  <p:cSld>
-    <p:spTree>
-      <p:nvGrpSpPr>
-        <p:cNvPr id="1" name=""/>
-        <p:cNvGrpSpPr/>
-        <p:nvPr/>
-      </p:nvGrpSpPr>
-      <p:grpSpPr>
-        <a:xfrm>
-          <a:off x="0" y="0"/>
-          <a:ext cx="0" cy="0"/>
-          <a:chOff x="0" y="0"/>
-          <a:chExt cx="0" cy="0"/>
-        </a:xfrm>
-      </p:grpSpPr>
-      <p:sp>
-        <p:nvSpPr>
-          <p:cNvPr id="2" name="Rectangle 1">
-            <a:extLst>
-              <a:ext uri="{FF2B5EF4-FFF2-40B4-BE49-F238E27FC236}">
-                <a16:creationId xmlns:a16="http://schemas.microsoft.com/office/drawing/2014/main" id="{82A3C9AA-781F-2788-A27C-A4DF89D5F5F7}"/>
-              </a:ext>
-            </a:extLst>
-          </p:cNvPr>
-          <p:cNvSpPr/>
-          <p:nvPr/>
-        </p:nvSpPr>
-        <p:spPr>
-          <a:xfrm>
-            <a:off x="8389" y="8389"/>
-            <a:ext cx="1367406" cy="276837"/>
-          </a:xfrm>
-          <a:prstGeom prst="rect">
-            <a:avLst/>
-          </a:prstGeom>
-          <a:solidFill>
-            <a:schemeClr val="bg1"/>
-          </a:solidFill>
-          <a:ln>
-            <a:solidFill>
-              <a:schemeClr val="bg1"/>
-            </a:solidFill>
-          </a:ln>
-        </p:spPr>
-        <p:style>
-          <a:lnRef idx="2">
-            <a:schemeClr val="accent1">
-              <a:shade val="15000"/>
-            </a:schemeClr>
-          </a:lnRef>
-          <a:fillRef idx="1">
-            <a:schemeClr val="accent1"/>
-          </a:fillRef>
-          <a:effectRef idx="0">
-            <a:schemeClr val="accent1"/>
-          </a:effectRef>
-          <a:fontRef idx="minor">
-            <a:schemeClr val="lt1"/>
-          </a:fontRef>
-        </p:style>
-        <p:txBody>
-          <a:bodyPr rtlCol="0" anchor="ctr"/>
-          <a:lstStyle/>
-          <a:p>
-            <a:pPr algn="ctr"/>
-            <a:endParaRPr lang="pt-BR"/>
-          </a:p>
-        </p:txBody>
-      </p:sp>
-      <p:sp>
-        <p:nvSpPr>
-          <p:cNvPr id="3" name="Title 2">
-            <a:extLst>
-              <a:ext uri="{FF2B5EF4-FFF2-40B4-BE49-F238E27FC236}">
-                <a16:creationId xmlns:a16="http://schemas.microsoft.com/office/drawing/2014/main" id="{9CCC268E-6589-78FC-4285-4998D7F95CFA}"/>
-              </a:ext>
-            </a:extLst>
-          </p:cNvPr>
-          <p:cNvSpPr>
-            <a:spLocks noGrp="1"/>
-          </p:cNvSpPr>
-          <p:nvPr>
-            <p:ph type="ctrTitle"/>
-          </p:nvPr>
-        </p:nvSpPr>
-        <p:spPr>
-          <a:xfrm>
-            <a:off x="559267" y="476411"/>
-            <a:ext cx="9144000" cy="505102"/>
-          </a:xfrm>
-        </p:spPr>
-        <p:txBody>
-          <a:bodyPr anchor="t">
-            <a:normAutofit fontScale="90000"/>
-          </a:bodyPr>
-          <a:lstStyle/>
-          <a:p>
-            <a:pPr algn="l"/>
-            <a:r>
-              <a:rPr lang="pt-BR" sz="3600" b="1" dirty="0">
-                <a:latin typeface="Arial" panose="020B0604020202020204" pitchFamily="34" charset="0"/>
-                <a:cs typeface="Arial" panose="020B0604020202020204" pitchFamily="34" charset="0"/>
-              </a:rPr>
-              <a:t>Sumário</a:t>
-            </a:r>
-          </a:p>
-        </p:txBody>
-      </p:sp>
-      <p:sp>
-        <p:nvSpPr>
-          <p:cNvPr id="4" name="Subtitle 3">
-            <a:extLst>
-              <a:ext uri="{FF2B5EF4-FFF2-40B4-BE49-F238E27FC236}">
-                <a16:creationId xmlns:a16="http://schemas.microsoft.com/office/drawing/2014/main" id="{F206B082-B89C-1DF4-DEF7-1944756ABF9D}"/>
-              </a:ext>
-            </a:extLst>
-          </p:cNvPr>
-          <p:cNvSpPr>
-            <a:spLocks noGrp="1"/>
-          </p:cNvSpPr>
-          <p:nvPr>
-            <p:ph type="subTitle" idx="1"/>
-          </p:nvPr>
-        </p:nvSpPr>
-        <p:spPr>
-          <a:xfrm>
-            <a:off x="559267" y="1286676"/>
-            <a:ext cx="6579764" cy="4484949"/>
-          </a:xfrm>
-        </p:spPr>
-        <p:txBody>
-          <a:bodyPr anchor="t"/>
-          <a:lstStyle/>
-          <a:p>
-            <a:pPr marL="457200" indent="-457200" algn="l">
-              <a:buAutoNum type="arabicPeriod"/>
-            </a:pPr>
-            <a:r>
-              <a:rPr lang="pt-BR" dirty="0"/>
-              <a:t>Operação de conexão vertical direta</a:t>
-            </a:r>
-          </a:p>
-          <a:p>
-            <a:pPr marL="457200" indent="-457200" algn="l">
-              <a:buAutoNum type="arabicPeriod"/>
-            </a:pPr>
-            <a:r>
-              <a:rPr lang="pt-BR" dirty="0"/>
-              <a:t>Especificações técnicas</a:t>
-            </a:r>
-          </a:p>
-          <a:p>
-            <a:pPr marL="457200" indent="-457200" algn="l">
-              <a:buAutoNum type="arabicPeriod"/>
-            </a:pPr>
-            <a:r>
-              <a:rPr lang="pt-BR" dirty="0"/>
-              <a:t>Metodologia de análise adotada</a:t>
-            </a:r>
-          </a:p>
-          <a:p>
-            <a:pPr marL="457200" indent="-457200" algn="l">
-              <a:buAutoNum type="arabicPeriod"/>
-            </a:pPr>
-            <a:r>
-              <a:rPr lang="pt-BR" dirty="0"/>
-              <a:t>Interface e Modelagem</a:t>
-            </a:r>
-          </a:p>
-          <a:p>
-            <a:pPr marL="457200" indent="-457200" algn="l">
-              <a:buAutoNum type="arabicPeriod"/>
-            </a:pPr>
-            <a:r>
-              <a:rPr lang="pt-BR" dirty="0"/>
-              <a:t>Funcionamento da ferramenta computacional</a:t>
-            </a:r>
-          </a:p>
-          <a:p>
-            <a:pPr marL="457200" indent="-457200" algn="l">
-              <a:buAutoNum type="arabicPeriod"/>
-            </a:pPr>
-            <a:r>
-              <a:rPr lang="pt-BR" dirty="0"/>
-              <a:t>Avaliação dos resultados</a:t>
-            </a:r>
-          </a:p>
-          <a:p>
-            <a:pPr marL="457200" indent="-457200" algn="l">
-              <a:buAutoNum type="arabicPeriod"/>
-            </a:pPr>
-            <a:r>
-              <a:rPr lang="pt-BR" dirty="0"/>
-              <a:t>Sugestões de melhoria</a:t>
-            </a:r>
-          </a:p>
-          <a:p>
-            <a:pPr marL="457200" indent="-457200" algn="l">
-              <a:buAutoNum type="arabicPeriod"/>
-            </a:pPr>
-            <a:endParaRPr lang="pt-BR" dirty="0"/>
-          </a:p>
-        </p:txBody>
-      </p:sp>
-    </p:spTree>
-    <p:extLst>
-      <p:ext uri="{BB962C8B-B14F-4D97-AF65-F5344CB8AC3E}">
-        <p14:creationId xmlns:p14="http://schemas.microsoft.com/office/powerpoint/2010/main" val="2531274135"/>
-      </p:ext>
-    </p:extLst>
-  </p:cSld>
-  <p:clrMapOvr>
-    <a:masterClrMapping/>
-  </p:clrMapOvr>
-</p:sld>
-</file>
-
-<file path=ppt/slides/slide3.xml><?xml version="1.0" encoding="utf-8"?>
-<p:sld xmlns:a="http://schemas.openxmlformats.org/drawingml/2006/main" xmlns:r="http://schemas.openxmlformats.org/officeDocument/2006/relationships" xmlns:p="http://schemas.openxmlformats.org/presentationml/2006/main">
-  <p:cSld>
-    <p:spTree>
-      <p:nvGrpSpPr>
-        <p:cNvPr id="1" name=""/>
-        <p:cNvGrpSpPr/>
-        <p:nvPr/>
-      </p:nvGrpSpPr>
-      <p:grpSpPr>
-        <a:xfrm>
-          <a:off x="0" y="0"/>
-          <a:ext cx="0" cy="0"/>
-          <a:chOff x="0" y="0"/>
-          <a:chExt cx="0" cy="0"/>
-        </a:xfrm>
-      </p:grpSpPr>
-      <p:sp>
-        <p:nvSpPr>
-          <p:cNvPr id="3" name="Content Placeholder 2">
-            <a:extLst>
-              <a:ext uri="{FF2B5EF4-FFF2-40B4-BE49-F238E27FC236}">
-                <a16:creationId xmlns:a16="http://schemas.microsoft.com/office/drawing/2014/main" id="{FE0B3BFD-A03A-02CC-6EDF-C1EBE6615B08}"/>
-              </a:ext>
-            </a:extLst>
-          </p:cNvPr>
-          <p:cNvSpPr>
-            <a:spLocks noGrp="1"/>
-          </p:cNvSpPr>
-          <p:nvPr>
-            <p:ph idx="1"/>
-          </p:nvPr>
-        </p:nvSpPr>
-        <p:spPr/>
-        <p:txBody>
-          <a:bodyPr anchor="ctr"/>
-          <a:lstStyle/>
-          <a:p>
-            <a:endParaRPr lang="pt-BR"/>
-          </a:p>
-        </p:txBody>
-      </p:sp>
-      <p:sp>
-        <p:nvSpPr>
-          <p:cNvPr id="4" name="Text Placeholder 3">
-            <a:extLst>
-              <a:ext uri="{FF2B5EF4-FFF2-40B4-BE49-F238E27FC236}">
-                <a16:creationId xmlns:a16="http://schemas.microsoft.com/office/drawing/2014/main" id="{FAF9CD9F-0AEF-D5BD-D4B3-AA85A3418558}"/>
-              </a:ext>
-            </a:extLst>
-          </p:cNvPr>
-          <p:cNvSpPr>
-            <a:spLocks noGrp="1"/>
-          </p:cNvSpPr>
-          <p:nvPr>
-            <p:ph type="body" sz="half" idx="2"/>
-          </p:nvPr>
-        </p:nvSpPr>
-        <p:spPr>
-          <a:xfrm>
-            <a:off x="839788" y="981513"/>
-            <a:ext cx="3932237" cy="4887475"/>
-          </a:xfrm>
-        </p:spPr>
-        <p:txBody>
-          <a:bodyPr anchor="ctr"/>
-          <a:lstStyle/>
-          <a:p>
-            <a:endParaRPr lang="pt-BR"/>
-          </a:p>
-        </p:txBody>
-      </p:sp>
-      <p:sp>
-        <p:nvSpPr>
-          <p:cNvPr id="5" name="Rectangle 4">
-            <a:extLst>
-              <a:ext uri="{FF2B5EF4-FFF2-40B4-BE49-F238E27FC236}">
-                <a16:creationId xmlns:a16="http://schemas.microsoft.com/office/drawing/2014/main" id="{11BBF056-23D5-C3E8-3357-1D489A5A9A0E}"/>
-              </a:ext>
-            </a:extLst>
-          </p:cNvPr>
-          <p:cNvSpPr/>
-          <p:nvPr/>
-        </p:nvSpPr>
-        <p:spPr>
-          <a:xfrm>
-            <a:off x="8389" y="8389"/>
-            <a:ext cx="1367406" cy="276837"/>
-          </a:xfrm>
-          <a:prstGeom prst="rect">
-            <a:avLst/>
-          </a:prstGeom>
-          <a:solidFill>
-            <a:schemeClr val="bg1"/>
-          </a:solidFill>
-          <a:ln>
-            <a:solidFill>
-              <a:schemeClr val="bg1"/>
-            </a:solidFill>
-          </a:ln>
-        </p:spPr>
-        <p:style>
-          <a:lnRef idx="2">
-            <a:schemeClr val="accent1">
-              <a:shade val="15000"/>
-            </a:schemeClr>
-          </a:lnRef>
-          <a:fillRef idx="1">
-            <a:schemeClr val="accent1"/>
-          </a:fillRef>
-          <a:effectRef idx="0">
-            <a:schemeClr val="accent1"/>
-          </a:effectRef>
-          <a:fontRef idx="minor">
-            <a:schemeClr val="lt1"/>
-          </a:fontRef>
-        </p:style>
-        <p:txBody>
-          <a:bodyPr rtlCol="0" anchor="ctr"/>
-          <a:lstStyle/>
-          <a:p>
-            <a:pPr algn="ctr"/>
-            <a:endParaRPr lang="pt-BR"/>
-          </a:p>
-        </p:txBody>
-      </p:sp>
-      <p:sp>
-        <p:nvSpPr>
-          <p:cNvPr id="6" name="Title 2">
-            <a:extLst>
-              <a:ext uri="{FF2B5EF4-FFF2-40B4-BE49-F238E27FC236}">
-                <a16:creationId xmlns:a16="http://schemas.microsoft.com/office/drawing/2014/main" id="{0A73B901-A900-96C0-1548-2EB1B21DEF1D}"/>
-              </a:ext>
-            </a:extLst>
-          </p:cNvPr>
-          <p:cNvSpPr txBox="1">
-            <a:spLocks/>
-          </p:cNvSpPr>
-          <p:nvPr/>
-        </p:nvSpPr>
-        <p:spPr>
-          <a:xfrm>
-            <a:off x="559267" y="476411"/>
-            <a:ext cx="9144000" cy="505102"/>
-          </a:xfrm>
-          <a:prstGeom prst="rect">
-            <a:avLst/>
-          </a:prstGeom>
-        </p:spPr>
-        <p:txBody>
-          <a:bodyPr anchor="t">
-            <a:normAutofit fontScale="90000" lnSpcReduction="10000"/>
-          </a:bodyPr>
-          <a:lstStyle>
-            <a:lvl1pPr algn="l" defTabSz="914400" rtl="0" eaLnBrk="1" latinLnBrk="0" hangingPunct="1">
-              <a:lnSpc>
-                <a:spcPct val="90000"/>
-              </a:lnSpc>
-              <a:spcBef>
-                <a:spcPct val="0"/>
-              </a:spcBef>
-              <a:buNone/>
-              <a:defRPr sz="4400" kern="1200">
-                <a:solidFill>
-                  <a:schemeClr val="tx1"/>
-                </a:solidFill>
-                <a:latin typeface="+mj-lt"/>
-                <a:ea typeface="+mj-ea"/>
-                <a:cs typeface="+mj-cs"/>
-              </a:defRPr>
-            </a:lvl1pPr>
-          </a:lstStyle>
-          <a:p>
-            <a:r>
-              <a:rPr lang="pt-BR" sz="3600" b="1" dirty="0">
-                <a:latin typeface="Arial" panose="020B0604020202020204" pitchFamily="34" charset="0"/>
-                <a:cs typeface="Arial" panose="020B0604020202020204" pitchFamily="34" charset="0"/>
-              </a:rPr>
-              <a:t>Operação de conexão vertical direta</a:t>
-            </a:r>
-          </a:p>
-        </p:txBody>
-      </p:sp>
-      <p:pic>
-        <p:nvPicPr>
-          <p:cNvPr id="7" name="Picture 6">
-            <a:extLst>
-              <a:ext uri="{FF2B5EF4-FFF2-40B4-BE49-F238E27FC236}">
-                <a16:creationId xmlns:a16="http://schemas.microsoft.com/office/drawing/2014/main" id="{54565959-F09B-D5AB-93F1-4D54AD1C8D39}"/>
-              </a:ext>
-            </a:extLst>
-          </p:cNvPr>
-          <p:cNvPicPr>
-            <a:picLocks noChangeAspect="1"/>
-          </p:cNvPicPr>
-          <p:nvPr/>
-        </p:nvPicPr>
-        <p:blipFill>
-          <a:blip r:embed="rId2" cstate="print">
-            <a:extLst>
-              <a:ext uri="{28A0092B-C50C-407E-A947-70E740481C1C}">
-                <a14:useLocalDpi xmlns:a14="http://schemas.microsoft.com/office/drawing/2010/main" val="0"/>
-              </a:ext>
-            </a:extLst>
-          </a:blip>
-          <a:srcRect/>
-          <a:stretch>
-            <a:fillRect/>
-          </a:stretch>
-        </p:blipFill>
-        <p:spPr bwMode="auto">
-          <a:xfrm>
-            <a:off x="1851689" y="2372162"/>
-            <a:ext cx="2767330" cy="2247900"/>
-          </a:xfrm>
-          <a:prstGeom prst="rect">
-            <a:avLst/>
-          </a:prstGeom>
-          <a:noFill/>
-          <a:ln>
-            <a:noFill/>
-          </a:ln>
-        </p:spPr>
-      </p:pic>
-    </p:spTree>
-    <p:extLst>
-      <p:ext uri="{BB962C8B-B14F-4D97-AF65-F5344CB8AC3E}">
-        <p14:creationId xmlns:p14="http://schemas.microsoft.com/office/powerpoint/2010/main" val="3184959953"/>
-      </p:ext>
-    </p:extLst>
-  </p:cSld>
-  <p:clrMapOvr>
-    <a:masterClrMapping/>
-  </p:clrMapOvr>
-</p:sld>
-</file>
-
-<file path=ppt/slides/slide4.xml><?xml version="1.0" encoding="utf-8"?>
-<p:sld xmlns:a="http://schemas.openxmlformats.org/drawingml/2006/main" xmlns:r="http://schemas.openxmlformats.org/officeDocument/2006/relationships" xmlns:p="http://schemas.openxmlformats.org/presentationml/2006/main">
-  <p:cSld>
-    <p:spTree>
-      <p:nvGrpSpPr>
-        <p:cNvPr id="1" name=""/>
-        <p:cNvGrpSpPr/>
-        <p:nvPr/>
-      </p:nvGrpSpPr>
-      <p:grpSpPr>
-        <a:xfrm>
-          <a:off x="0" y="0"/>
-          <a:ext cx="0" cy="0"/>
-          <a:chOff x="0" y="0"/>
-          <a:chExt cx="0" cy="0"/>
-        </a:xfrm>
-      </p:grpSpPr>
-      <p:sp>
-        <p:nvSpPr>
-          <p:cNvPr id="2" name="Rectangle 1">
-            <a:extLst>
-              <a:ext uri="{FF2B5EF4-FFF2-40B4-BE49-F238E27FC236}">
-                <a16:creationId xmlns:a16="http://schemas.microsoft.com/office/drawing/2014/main" id="{82A3C9AA-781F-2788-A27C-A4DF89D5F5F7}"/>
-              </a:ext>
-            </a:extLst>
-          </p:cNvPr>
-          <p:cNvSpPr/>
-          <p:nvPr/>
-        </p:nvSpPr>
-        <p:spPr>
-          <a:xfrm>
-            <a:off x="8389" y="8389"/>
-            <a:ext cx="1367406" cy="276837"/>
-          </a:xfrm>
-          <a:prstGeom prst="rect">
-            <a:avLst/>
-          </a:prstGeom>
-          <a:solidFill>
-            <a:schemeClr val="bg1"/>
-          </a:solidFill>
-          <a:ln>
-            <a:solidFill>
-              <a:schemeClr val="bg1"/>
-            </a:solidFill>
-          </a:ln>
-        </p:spPr>
-        <p:style>
-          <a:lnRef idx="2">
-            <a:schemeClr val="accent1">
-              <a:shade val="15000"/>
-            </a:schemeClr>
-          </a:lnRef>
-          <a:fillRef idx="1">
-            <a:schemeClr val="accent1"/>
-          </a:fillRef>
-          <a:effectRef idx="0">
-            <a:schemeClr val="accent1"/>
-          </a:effectRef>
-          <a:fontRef idx="minor">
-            <a:schemeClr val="lt1"/>
-          </a:fontRef>
-        </p:style>
-        <p:txBody>
-          <a:bodyPr rtlCol="0" anchor="ctr"/>
-          <a:lstStyle/>
-          <a:p>
-            <a:pPr algn="ctr"/>
-            <a:endParaRPr lang="pt-BR"/>
-          </a:p>
-        </p:txBody>
-      </p:sp>
-      <p:sp>
-        <p:nvSpPr>
-          <p:cNvPr id="3" name="Title 2">
-            <a:extLst>
-              <a:ext uri="{FF2B5EF4-FFF2-40B4-BE49-F238E27FC236}">
-                <a16:creationId xmlns:a16="http://schemas.microsoft.com/office/drawing/2014/main" id="{EF41C3DC-A068-3CFD-C4B2-D8F09AA1D675}"/>
-              </a:ext>
-            </a:extLst>
-          </p:cNvPr>
-          <p:cNvSpPr txBox="1">
-            <a:spLocks/>
-          </p:cNvSpPr>
-          <p:nvPr/>
-        </p:nvSpPr>
-        <p:spPr>
-          <a:xfrm>
-            <a:off x="559267" y="476411"/>
-            <a:ext cx="9144000" cy="505102"/>
-          </a:xfrm>
-          <a:prstGeom prst="rect">
-            <a:avLst/>
-          </a:prstGeom>
-        </p:spPr>
-        <p:txBody>
-          <a:bodyPr anchor="t">
-            <a:normAutofit fontScale="90000" lnSpcReduction="10000"/>
-          </a:bodyPr>
-          <a:lstStyle>
-            <a:lvl1pPr algn="l" defTabSz="914400" rtl="0" eaLnBrk="1" latinLnBrk="0" hangingPunct="1">
-              <a:lnSpc>
-                <a:spcPct val="90000"/>
-              </a:lnSpc>
-              <a:spcBef>
-                <a:spcPct val="0"/>
-              </a:spcBef>
-              <a:buNone/>
-              <a:defRPr sz="4400" kern="1200">
-                <a:solidFill>
-                  <a:schemeClr val="tx1"/>
-                </a:solidFill>
-                <a:latin typeface="+mj-lt"/>
-                <a:ea typeface="+mj-ea"/>
-                <a:cs typeface="+mj-cs"/>
-              </a:defRPr>
-            </a:lvl1pPr>
-          </a:lstStyle>
-          <a:p>
-            <a:r>
-              <a:rPr lang="pt-BR" sz="3600" b="1" dirty="0">
-                <a:latin typeface="Arial" panose="020B0604020202020204" pitchFamily="34" charset="0"/>
-                <a:cs typeface="Arial" panose="020B0604020202020204" pitchFamily="34" charset="0"/>
-              </a:rPr>
-              <a:t>Especificações técnicas</a:t>
-            </a:r>
-          </a:p>
-        </p:txBody>
-      </p:sp>
-    </p:spTree>
-    <p:extLst>
-      <p:ext uri="{BB962C8B-B14F-4D97-AF65-F5344CB8AC3E}">
-        <p14:creationId xmlns:p14="http://schemas.microsoft.com/office/powerpoint/2010/main" val="2694854849"/>
-      </p:ext>
-    </p:extLst>
-  </p:cSld>
-  <p:clrMapOvr>
-    <a:masterClrMapping/>
-  </p:clrMapOvr>
-</p:sld>
-</file>
-
-<file path=ppt/slides/slide5.xml><?xml version="1.0" encoding="utf-8"?>
-<p:sld xmlns:a="http://schemas.openxmlformats.org/drawingml/2006/main" xmlns:r="http://schemas.openxmlformats.org/officeDocument/2006/relationships" xmlns:p="http://schemas.openxmlformats.org/presentationml/2006/main">
-  <p:cSld>
-    <p:spTree>
-      <p:nvGrpSpPr>
-        <p:cNvPr id="1" name=""/>
-        <p:cNvGrpSpPr/>
-        <p:nvPr/>
-      </p:nvGrpSpPr>
-      <p:grpSpPr>
-        <a:xfrm>
-          <a:off x="0" y="0"/>
-          <a:ext cx="0" cy="0"/>
-          <a:chOff x="0" y="0"/>
-          <a:chExt cx="0" cy="0"/>
-        </a:xfrm>
-      </p:grpSpPr>
-      <p:sp>
-        <p:nvSpPr>
-          <p:cNvPr id="2" name="Rectangle 1">
-            <a:extLst>
-              <a:ext uri="{FF2B5EF4-FFF2-40B4-BE49-F238E27FC236}">
-                <a16:creationId xmlns:a16="http://schemas.microsoft.com/office/drawing/2014/main" id="{82A3C9AA-781F-2788-A27C-A4DF89D5F5F7}"/>
-              </a:ext>
-            </a:extLst>
-          </p:cNvPr>
-          <p:cNvSpPr/>
-          <p:nvPr/>
-        </p:nvSpPr>
-        <p:spPr>
-          <a:xfrm>
-            <a:off x="8389" y="8389"/>
-            <a:ext cx="1367406" cy="276837"/>
-          </a:xfrm>
-          <a:prstGeom prst="rect">
-            <a:avLst/>
-          </a:prstGeom>
-          <a:solidFill>
-            <a:schemeClr val="bg1"/>
-          </a:solidFill>
-          <a:ln>
-            <a:solidFill>
-              <a:schemeClr val="bg1"/>
-            </a:solidFill>
-          </a:ln>
-        </p:spPr>
-        <p:style>
-          <a:lnRef idx="2">
-            <a:schemeClr val="accent1">
-              <a:shade val="15000"/>
-            </a:schemeClr>
-          </a:lnRef>
-          <a:fillRef idx="1">
-            <a:schemeClr val="accent1"/>
-          </a:fillRef>
-          <a:effectRef idx="0">
-            <a:schemeClr val="accent1"/>
-          </a:effectRef>
-          <a:fontRef idx="minor">
-            <a:schemeClr val="lt1"/>
-          </a:fontRef>
-        </p:style>
-        <p:txBody>
-          <a:bodyPr rtlCol="0" anchor="ctr"/>
-          <a:lstStyle/>
-          <a:p>
-            <a:pPr algn="ctr"/>
-            <a:endParaRPr lang="pt-BR"/>
-          </a:p>
-        </p:txBody>
-      </p:sp>
-      <p:sp>
-        <p:nvSpPr>
-          <p:cNvPr id="3" name="Title 2">
-            <a:extLst>
-              <a:ext uri="{FF2B5EF4-FFF2-40B4-BE49-F238E27FC236}">
-                <a16:creationId xmlns:a16="http://schemas.microsoft.com/office/drawing/2014/main" id="{7BB8497F-5118-F644-C0A6-7A1B214426A3}"/>
-              </a:ext>
-            </a:extLst>
-          </p:cNvPr>
-          <p:cNvSpPr txBox="1">
-            <a:spLocks/>
-          </p:cNvSpPr>
-          <p:nvPr/>
-        </p:nvSpPr>
-        <p:spPr>
-          <a:xfrm>
-            <a:off x="559267" y="476411"/>
-            <a:ext cx="9144000" cy="505102"/>
-          </a:xfrm>
-          <a:prstGeom prst="rect">
-            <a:avLst/>
-          </a:prstGeom>
-        </p:spPr>
-        <p:txBody>
-          <a:bodyPr anchor="t">
-            <a:normAutofit fontScale="90000" lnSpcReduction="10000"/>
-          </a:bodyPr>
-          <a:lstStyle>
-            <a:lvl1pPr algn="l" defTabSz="914400" rtl="0" eaLnBrk="1" latinLnBrk="0" hangingPunct="1">
-              <a:lnSpc>
-                <a:spcPct val="90000"/>
-              </a:lnSpc>
-              <a:spcBef>
-                <a:spcPct val="0"/>
-              </a:spcBef>
-              <a:buNone/>
-              <a:defRPr sz="4400" kern="1200">
-                <a:solidFill>
-                  <a:schemeClr val="tx1"/>
-                </a:solidFill>
-                <a:latin typeface="+mj-lt"/>
-                <a:ea typeface="+mj-ea"/>
-                <a:cs typeface="+mj-cs"/>
-              </a:defRPr>
-            </a:lvl1pPr>
-          </a:lstStyle>
-          <a:p>
-            <a:r>
-              <a:rPr lang="pt-BR" sz="3600" b="1" dirty="0">
-                <a:latin typeface="Arial" panose="020B0604020202020204" pitchFamily="34" charset="0"/>
-                <a:cs typeface="Arial" panose="020B0604020202020204" pitchFamily="34" charset="0"/>
-              </a:rPr>
-              <a:t>Metodologia de análise adotada</a:t>
-            </a:r>
-          </a:p>
-        </p:txBody>
-      </p:sp>
-    </p:spTree>
-    <p:extLst>
-      <p:ext uri="{BB962C8B-B14F-4D97-AF65-F5344CB8AC3E}">
-        <p14:creationId xmlns:p14="http://schemas.microsoft.com/office/powerpoint/2010/main" val="3019860246"/>
-      </p:ext>
-    </p:extLst>
-  </p:cSld>
-  <p:clrMapOvr>
-    <a:masterClrMapping/>
-  </p:clrMapOvr>
-</p:sld>
-</file>
-
-<file path=ppt/slides/slide6.xml><?xml version="1.0" encoding="utf-8"?>
-<p:sld xmlns:a="http://schemas.openxmlformats.org/drawingml/2006/main" xmlns:r="http://schemas.openxmlformats.org/officeDocument/2006/relationships" xmlns:p="http://schemas.openxmlformats.org/presentationml/2006/main">
-  <p:cSld>
-    <p:spTree>
-      <p:nvGrpSpPr>
-        <p:cNvPr id="1" name=""/>
-        <p:cNvGrpSpPr/>
-        <p:nvPr/>
-      </p:nvGrpSpPr>
-      <p:grpSpPr>
-        <a:xfrm>
-          <a:off x="0" y="0"/>
-          <a:ext cx="0" cy="0"/>
-          <a:chOff x="0" y="0"/>
-          <a:chExt cx="0" cy="0"/>
-        </a:xfrm>
-      </p:grpSpPr>
-      <p:sp>
-        <p:nvSpPr>
-          <p:cNvPr id="2" name="Rectangle 1">
-            <a:extLst>
-              <a:ext uri="{FF2B5EF4-FFF2-40B4-BE49-F238E27FC236}">
-                <a16:creationId xmlns:a16="http://schemas.microsoft.com/office/drawing/2014/main" id="{82A3C9AA-781F-2788-A27C-A4DF89D5F5F7}"/>
-              </a:ext>
-            </a:extLst>
-          </p:cNvPr>
-          <p:cNvSpPr/>
-          <p:nvPr/>
-        </p:nvSpPr>
-        <p:spPr>
-          <a:xfrm>
-            <a:off x="8389" y="8389"/>
-            <a:ext cx="1367406" cy="276837"/>
-          </a:xfrm>
-          <a:prstGeom prst="rect">
-            <a:avLst/>
-          </a:prstGeom>
-          <a:solidFill>
-            <a:schemeClr val="bg1"/>
-          </a:solidFill>
-          <a:ln>
-            <a:solidFill>
-              <a:schemeClr val="bg1"/>
-            </a:solidFill>
-          </a:ln>
-        </p:spPr>
-        <p:style>
-          <a:lnRef idx="2">
-            <a:schemeClr val="accent1">
-              <a:shade val="15000"/>
-            </a:schemeClr>
-          </a:lnRef>
-          <a:fillRef idx="1">
-            <a:schemeClr val="accent1"/>
-          </a:fillRef>
-          <a:effectRef idx="0">
-            <a:schemeClr val="accent1"/>
-          </a:effectRef>
-          <a:fontRef idx="minor">
-            <a:schemeClr val="lt1"/>
-          </a:fontRef>
-        </p:style>
-        <p:txBody>
-          <a:bodyPr rtlCol="0" anchor="ctr"/>
-          <a:lstStyle/>
-          <a:p>
-            <a:pPr algn="ctr"/>
-            <a:endParaRPr lang="pt-BR"/>
-          </a:p>
-        </p:txBody>
-      </p:sp>
-      <p:sp>
-        <p:nvSpPr>
-          <p:cNvPr id="3" name="Title 2">
-            <a:extLst>
-              <a:ext uri="{FF2B5EF4-FFF2-40B4-BE49-F238E27FC236}">
-                <a16:creationId xmlns:a16="http://schemas.microsoft.com/office/drawing/2014/main" id="{EBD85381-0702-B9DF-2BC5-F04275DDA1C8}"/>
-              </a:ext>
-            </a:extLst>
-          </p:cNvPr>
-          <p:cNvSpPr txBox="1">
-            <a:spLocks/>
-          </p:cNvSpPr>
-          <p:nvPr/>
-        </p:nvSpPr>
-        <p:spPr>
-          <a:xfrm>
-            <a:off x="559267" y="476411"/>
-            <a:ext cx="9144000" cy="505102"/>
-          </a:xfrm>
-          <a:prstGeom prst="rect">
-            <a:avLst/>
-          </a:prstGeom>
-        </p:spPr>
-        <p:txBody>
-          <a:bodyPr anchor="t">
-            <a:normAutofit fontScale="90000" lnSpcReduction="10000"/>
-          </a:bodyPr>
-          <a:lstStyle>
-            <a:lvl1pPr algn="l" defTabSz="914400" rtl="0" eaLnBrk="1" latinLnBrk="0" hangingPunct="1">
-              <a:lnSpc>
-                <a:spcPct val="90000"/>
-              </a:lnSpc>
-              <a:spcBef>
-                <a:spcPct val="0"/>
-              </a:spcBef>
-              <a:buNone/>
-              <a:defRPr sz="4400" kern="1200">
-                <a:solidFill>
-                  <a:schemeClr val="tx1"/>
-                </a:solidFill>
-                <a:latin typeface="+mj-lt"/>
-                <a:ea typeface="+mj-ea"/>
-                <a:cs typeface="+mj-cs"/>
-              </a:defRPr>
-            </a:lvl1pPr>
-          </a:lstStyle>
-          <a:p>
-            <a:r>
-              <a:rPr lang="pt-BR" sz="3600" b="1" dirty="0">
-                <a:latin typeface="Arial" panose="020B0604020202020204" pitchFamily="34" charset="0"/>
-                <a:cs typeface="Arial" panose="020B0604020202020204" pitchFamily="34" charset="0"/>
-              </a:rPr>
-              <a:t>Interface e modelagem</a:t>
-            </a:r>
-          </a:p>
-        </p:txBody>
-      </p:sp>
-    </p:spTree>
-    <p:extLst>
-      <p:ext uri="{BB962C8B-B14F-4D97-AF65-F5344CB8AC3E}">
-        <p14:creationId xmlns:p14="http://schemas.microsoft.com/office/powerpoint/2010/main" val="2458134780"/>
-      </p:ext>
-    </p:extLst>
-  </p:cSld>
-  <p:clrMapOvr>
-    <a:masterClrMapping/>
-  </p:clrMapOvr>
-</p:sld>
-</file>
-
-<file path=ppt/slides/slide7.xml><?xml version="1.0" encoding="utf-8"?>
-<p:sld xmlns:a="http://schemas.openxmlformats.org/drawingml/2006/main" xmlns:r="http://schemas.openxmlformats.org/officeDocument/2006/relationships" xmlns:p="http://schemas.openxmlformats.org/presentationml/2006/main">
-  <p:cSld>
-    <p:spTree>
-      <p:nvGrpSpPr>
-        <p:cNvPr id="1" name=""/>
-        <p:cNvGrpSpPr/>
-        <p:nvPr/>
-      </p:nvGrpSpPr>
-      <p:grpSpPr>
-        <a:xfrm>
-          <a:off x="0" y="0"/>
-          <a:ext cx="0" cy="0"/>
-          <a:chOff x="0" y="0"/>
-          <a:chExt cx="0" cy="0"/>
-        </a:xfrm>
-      </p:grpSpPr>
-      <p:sp>
-        <p:nvSpPr>
-          <p:cNvPr id="2" name="Rectangle 1">
-            <a:extLst>
-              <a:ext uri="{FF2B5EF4-FFF2-40B4-BE49-F238E27FC236}">
-                <a16:creationId xmlns:a16="http://schemas.microsoft.com/office/drawing/2014/main" id="{82A3C9AA-781F-2788-A27C-A4DF89D5F5F7}"/>
-              </a:ext>
-            </a:extLst>
-          </p:cNvPr>
-          <p:cNvSpPr/>
-          <p:nvPr/>
-        </p:nvSpPr>
-        <p:spPr>
-          <a:xfrm>
-            <a:off x="8389" y="8389"/>
-            <a:ext cx="1367406" cy="276837"/>
-          </a:xfrm>
-          <a:prstGeom prst="rect">
-            <a:avLst/>
-          </a:prstGeom>
-          <a:solidFill>
-            <a:schemeClr val="bg1"/>
-          </a:solidFill>
-          <a:ln>
-            <a:solidFill>
-              <a:schemeClr val="bg1"/>
-            </a:solidFill>
-          </a:ln>
-        </p:spPr>
-        <p:style>
-          <a:lnRef idx="2">
-            <a:schemeClr val="accent1">
-              <a:shade val="15000"/>
-            </a:schemeClr>
-          </a:lnRef>
-          <a:fillRef idx="1">
-            <a:schemeClr val="accent1"/>
-          </a:fillRef>
-          <a:effectRef idx="0">
-            <a:schemeClr val="accent1"/>
-          </a:effectRef>
-          <a:fontRef idx="minor">
-            <a:schemeClr val="lt1"/>
-          </a:fontRef>
-        </p:style>
-        <p:txBody>
-          <a:bodyPr rtlCol="0" anchor="ctr"/>
-          <a:lstStyle/>
-          <a:p>
-            <a:pPr algn="ctr"/>
-            <a:endParaRPr lang="pt-BR"/>
-          </a:p>
-        </p:txBody>
-      </p:sp>
-      <p:sp>
-        <p:nvSpPr>
-          <p:cNvPr id="3" name="Title 2">
-            <a:extLst>
-              <a:ext uri="{FF2B5EF4-FFF2-40B4-BE49-F238E27FC236}">
-                <a16:creationId xmlns:a16="http://schemas.microsoft.com/office/drawing/2014/main" id="{45860716-23C8-6DA9-3CEE-498958C377B4}"/>
-              </a:ext>
-            </a:extLst>
-          </p:cNvPr>
-          <p:cNvSpPr txBox="1">
-            <a:spLocks/>
-          </p:cNvSpPr>
-          <p:nvPr/>
-        </p:nvSpPr>
-        <p:spPr>
-          <a:xfrm>
-            <a:off x="559267" y="476411"/>
-            <a:ext cx="9144000" cy="505102"/>
-          </a:xfrm>
-          <a:prstGeom prst="rect">
-            <a:avLst/>
-          </a:prstGeom>
-        </p:spPr>
-        <p:txBody>
-          <a:bodyPr anchor="t">
-            <a:normAutofit fontScale="90000" lnSpcReduction="10000"/>
-          </a:bodyPr>
-          <a:lstStyle>
-            <a:lvl1pPr algn="l" defTabSz="914400" rtl="0" eaLnBrk="1" latinLnBrk="0" hangingPunct="1">
-              <a:lnSpc>
-                <a:spcPct val="90000"/>
-              </a:lnSpc>
-              <a:spcBef>
-                <a:spcPct val="0"/>
-              </a:spcBef>
-              <a:buNone/>
-              <a:defRPr sz="4400" kern="1200">
-                <a:solidFill>
-                  <a:schemeClr val="tx1"/>
-                </a:solidFill>
-                <a:latin typeface="+mj-lt"/>
-                <a:ea typeface="+mj-ea"/>
-                <a:cs typeface="+mj-cs"/>
-              </a:defRPr>
-            </a:lvl1pPr>
-          </a:lstStyle>
-          <a:p>
-            <a:r>
-              <a:rPr lang="pt-BR" sz="3600" b="1" dirty="0">
-                <a:latin typeface="Arial" panose="020B0604020202020204" pitchFamily="34" charset="0"/>
-                <a:cs typeface="Arial" panose="020B0604020202020204" pitchFamily="34" charset="0"/>
-              </a:rPr>
-              <a:t>Funcionamento de ferramenta computacional</a:t>
-            </a:r>
-          </a:p>
-        </p:txBody>
-      </p:sp>
-    </p:spTree>
-    <p:extLst>
-      <p:ext uri="{BB962C8B-B14F-4D97-AF65-F5344CB8AC3E}">
-        <p14:creationId xmlns:p14="http://schemas.microsoft.com/office/powerpoint/2010/main" val="4288898077"/>
-      </p:ext>
-    </p:extLst>
-  </p:cSld>
-  <p:clrMapOvr>
-    <a:masterClrMapping/>
-  </p:clrMapOvr>
-</p:sld>
-</file>
-
-<file path=ppt/slides/slide8.xml><?xml version="1.0" encoding="utf-8"?>
-<p:sld xmlns:a="http://schemas.openxmlformats.org/drawingml/2006/main" xmlns:r="http://schemas.openxmlformats.org/officeDocument/2006/relationships" xmlns:p="http://schemas.openxmlformats.org/presentationml/2006/main">
-  <p:cSld>
-    <p:spTree>
-      <p:nvGrpSpPr>
-        <p:cNvPr id="1" name=""/>
-        <p:cNvGrpSpPr/>
-        <p:nvPr/>
-      </p:nvGrpSpPr>
-      <p:grpSpPr>
-        <a:xfrm>
-          <a:off x="0" y="0"/>
-          <a:ext cx="0" cy="0"/>
-          <a:chOff x="0" y="0"/>
-          <a:chExt cx="0" cy="0"/>
-        </a:xfrm>
-      </p:grpSpPr>
-      <p:sp>
-        <p:nvSpPr>
-          <p:cNvPr id="2" name="Rectangle 1">
-            <a:extLst>
-              <a:ext uri="{FF2B5EF4-FFF2-40B4-BE49-F238E27FC236}">
-                <a16:creationId xmlns:a16="http://schemas.microsoft.com/office/drawing/2014/main" id="{82A3C9AA-781F-2788-A27C-A4DF89D5F5F7}"/>
-              </a:ext>
-            </a:extLst>
-          </p:cNvPr>
-          <p:cNvSpPr/>
-          <p:nvPr/>
-        </p:nvSpPr>
-        <p:spPr>
-          <a:xfrm>
-            <a:off x="8389" y="8389"/>
-            <a:ext cx="1367406" cy="276837"/>
-          </a:xfrm>
-          <a:prstGeom prst="rect">
-            <a:avLst/>
-          </a:prstGeom>
-          <a:solidFill>
-            <a:schemeClr val="bg1"/>
-          </a:solidFill>
-          <a:ln>
-            <a:solidFill>
-              <a:schemeClr val="bg1"/>
-            </a:solidFill>
-          </a:ln>
-        </p:spPr>
-        <p:style>
-          <a:lnRef idx="2">
-            <a:schemeClr val="accent1">
-              <a:shade val="15000"/>
-            </a:schemeClr>
-          </a:lnRef>
-          <a:fillRef idx="1">
-            <a:schemeClr val="accent1"/>
-          </a:fillRef>
-          <a:effectRef idx="0">
-            <a:schemeClr val="accent1"/>
-          </a:effectRef>
-          <a:fontRef idx="minor">
-            <a:schemeClr val="lt1"/>
-          </a:fontRef>
-        </p:style>
-        <p:txBody>
-          <a:bodyPr rtlCol="0" anchor="ctr"/>
-          <a:lstStyle/>
-          <a:p>
-            <a:pPr algn="ctr"/>
-            <a:endParaRPr lang="pt-BR"/>
-          </a:p>
-        </p:txBody>
-      </p:sp>
-      <p:sp>
-        <p:nvSpPr>
-          <p:cNvPr id="3" name="Title 2">
-            <a:extLst>
-              <a:ext uri="{FF2B5EF4-FFF2-40B4-BE49-F238E27FC236}">
-                <a16:creationId xmlns:a16="http://schemas.microsoft.com/office/drawing/2014/main" id="{8BCDE2F9-2808-4533-64CB-A82354E98D82}"/>
-              </a:ext>
-            </a:extLst>
-          </p:cNvPr>
-          <p:cNvSpPr txBox="1">
-            <a:spLocks/>
-          </p:cNvSpPr>
-          <p:nvPr/>
-        </p:nvSpPr>
-        <p:spPr>
-          <a:xfrm>
-            <a:off x="559267" y="476411"/>
-            <a:ext cx="9144000" cy="505102"/>
-          </a:xfrm>
-          <a:prstGeom prst="rect">
-            <a:avLst/>
-          </a:prstGeom>
-        </p:spPr>
-        <p:txBody>
-          <a:bodyPr anchor="t">
-            <a:normAutofit fontScale="90000" lnSpcReduction="10000"/>
-          </a:bodyPr>
-          <a:lstStyle>
-            <a:lvl1pPr algn="l" defTabSz="914400" rtl="0" eaLnBrk="1" latinLnBrk="0" hangingPunct="1">
-              <a:lnSpc>
-                <a:spcPct val="90000"/>
-              </a:lnSpc>
-              <a:spcBef>
-                <a:spcPct val="0"/>
-              </a:spcBef>
-              <a:buNone/>
-              <a:defRPr sz="4400" kern="1200">
-                <a:solidFill>
-                  <a:schemeClr val="tx1"/>
-                </a:solidFill>
-                <a:latin typeface="+mj-lt"/>
-                <a:ea typeface="+mj-ea"/>
-                <a:cs typeface="+mj-cs"/>
-              </a:defRPr>
-            </a:lvl1pPr>
-          </a:lstStyle>
-          <a:p>
-            <a:r>
-              <a:rPr lang="pt-BR" sz="3600" b="1" dirty="0">
-                <a:latin typeface="Arial" panose="020B0604020202020204" pitchFamily="34" charset="0"/>
-                <a:cs typeface="Arial" panose="020B0604020202020204" pitchFamily="34" charset="0"/>
-              </a:rPr>
-              <a:t>Avaliação dos resultados</a:t>
-            </a:r>
-          </a:p>
-        </p:txBody>
-      </p:sp>
-    </p:spTree>
-    <p:extLst>
-      <p:ext uri="{BB962C8B-B14F-4D97-AF65-F5344CB8AC3E}">
-        <p14:creationId xmlns:p14="http://schemas.microsoft.com/office/powerpoint/2010/main" val="2737590366"/>
-      </p:ext>
-    </p:extLst>
-  </p:cSld>
-  <p:clrMapOvr>
-    <a:masterClrMapping/>
-  </p:clrMapOvr>
-</p:sld>
-</file>
-
-<file path=ppt/slides/slide9.xml><?xml version="1.0" encoding="utf-8"?>
-<p:sld xmlns:a="http://schemas.openxmlformats.org/drawingml/2006/main" xmlns:r="http://schemas.openxmlformats.org/officeDocument/2006/relationships" xmlns:p="http://schemas.openxmlformats.org/presentationml/2006/main">
-  <p:cSld>
-    <p:spTree>
-      <p:nvGrpSpPr>
-        <p:cNvPr id="1" name=""/>
-        <p:cNvGrpSpPr/>
-        <p:nvPr/>
-      </p:nvGrpSpPr>
-      <p:grpSpPr>
-        <a:xfrm>
-          <a:off x="0" y="0"/>
-          <a:ext cx="0" cy="0"/>
-          <a:chOff x="0" y="0"/>
-          <a:chExt cx="0" cy="0"/>
-        </a:xfrm>
-      </p:grpSpPr>
-      <p:sp>
-        <p:nvSpPr>
-          <p:cNvPr id="2" name="Rectangle 1">
-            <a:extLst>
-              <a:ext uri="{FF2B5EF4-FFF2-40B4-BE49-F238E27FC236}">
-                <a16:creationId xmlns:a16="http://schemas.microsoft.com/office/drawing/2014/main" id="{82A3C9AA-781F-2788-A27C-A4DF89D5F5F7}"/>
-              </a:ext>
-            </a:extLst>
-          </p:cNvPr>
-          <p:cNvSpPr/>
-          <p:nvPr/>
-        </p:nvSpPr>
-        <p:spPr>
-          <a:xfrm>
-            <a:off x="8389" y="8389"/>
-            <a:ext cx="1367406" cy="276837"/>
-          </a:xfrm>
-          <a:prstGeom prst="rect">
-            <a:avLst/>
-          </a:prstGeom>
-          <a:solidFill>
-            <a:schemeClr val="bg1"/>
-          </a:solidFill>
-          <a:ln>
-            <a:solidFill>
-              <a:schemeClr val="bg1"/>
-            </a:solidFill>
-          </a:ln>
-        </p:spPr>
-        <p:style>
-          <a:lnRef idx="2">
-            <a:schemeClr val="accent1">
-              <a:shade val="15000"/>
-            </a:schemeClr>
-          </a:lnRef>
-          <a:fillRef idx="1">
-            <a:schemeClr val="accent1"/>
-          </a:fillRef>
-          <a:effectRef idx="0">
-            <a:schemeClr val="accent1"/>
-          </a:effectRef>
-          <a:fontRef idx="minor">
-            <a:schemeClr val="lt1"/>
-          </a:fontRef>
-        </p:style>
-        <p:txBody>
-          <a:bodyPr rtlCol="0" anchor="ctr"/>
-          <a:lstStyle/>
-          <a:p>
-            <a:pPr algn="ctr"/>
-            <a:endParaRPr lang="pt-BR"/>
-          </a:p>
-        </p:txBody>
-      </p:sp>
-      <p:sp>
-        <p:nvSpPr>
-          <p:cNvPr id="3" name="Title 2">
-            <a:extLst>
-              <a:ext uri="{FF2B5EF4-FFF2-40B4-BE49-F238E27FC236}">
-                <a16:creationId xmlns:a16="http://schemas.microsoft.com/office/drawing/2014/main" id="{241CAAEF-DA1F-B5C1-CAE9-893D49F6CAA6}"/>
-              </a:ext>
-            </a:extLst>
-          </p:cNvPr>
-          <p:cNvSpPr txBox="1">
-            <a:spLocks/>
-          </p:cNvSpPr>
-          <p:nvPr/>
-        </p:nvSpPr>
-        <p:spPr>
-          <a:xfrm>
-            <a:off x="559267" y="476411"/>
-            <a:ext cx="9144000" cy="505102"/>
-          </a:xfrm>
-          <a:prstGeom prst="rect">
-            <a:avLst/>
-          </a:prstGeom>
-        </p:spPr>
-        <p:txBody>
-          <a:bodyPr anchor="t">
-            <a:normAutofit fontScale="90000" lnSpcReduction="10000"/>
-          </a:bodyPr>
-          <a:lstStyle>
-            <a:lvl1pPr algn="l" defTabSz="914400" rtl="0" eaLnBrk="1" latinLnBrk="0" hangingPunct="1">
-              <a:lnSpc>
-                <a:spcPct val="90000"/>
-              </a:lnSpc>
-              <a:spcBef>
-                <a:spcPct val="0"/>
-              </a:spcBef>
-              <a:buNone/>
-              <a:defRPr sz="4400" kern="1200">
-                <a:solidFill>
-                  <a:schemeClr val="tx1"/>
-                </a:solidFill>
-                <a:latin typeface="+mj-lt"/>
-                <a:ea typeface="+mj-ea"/>
-                <a:cs typeface="+mj-cs"/>
-              </a:defRPr>
-            </a:lvl1pPr>
-          </a:lstStyle>
-          <a:p>
-            <a:r>
-              <a:rPr lang="pt-BR" sz="3600" b="1" dirty="0">
-                <a:latin typeface="Arial" panose="020B0604020202020204" pitchFamily="34" charset="0"/>
-                <a:cs typeface="Arial" panose="020B0604020202020204" pitchFamily="34" charset="0"/>
-              </a:rPr>
-              <a:t>Sugestões de melhoria</a:t>
-            </a:r>
-          </a:p>
-        </p:txBody>
-      </p:sp>
-    </p:spTree>
-    <p:extLst>
-      <p:ext uri="{BB962C8B-B14F-4D97-AF65-F5344CB8AC3E}">
-        <p14:creationId xmlns:p14="http://schemas.microsoft.com/office/powerpoint/2010/main" val="2997200699"/>
       </p:ext>
     </p:extLst>
   </p:cSld>
